--- a/Documents/Ceng 317 Powerpoint Presentation.pptx
+++ b/Documents/Ceng 317 Powerpoint Presentation.pptx
@@ -110,6 +110,11 @@
       </a:defRPr>
     </a:lvl9pPr>
   </p:defaultTextStyle>
+  <p:extLst>
+    <p:ext uri="{EFAFB233-063F-42B5-8137-9DF3F51BA10A}">
+      <p15:sldGuideLst xmlns:p15="http://schemas.microsoft.com/office/powerpoint/2012/main"/>
+    </p:ext>
+  </p:extLst>
 </p:presentation>
 </file>
 
@@ -4396,7 +4401,7 @@
           <a:p>
             <a:fld id="{48A87A34-81AB-432B-8DAE-1953F412C126}" type="datetimeFigureOut">
               <a:rPr lang="en-US" dirty="0"/>
-              <a:t>11/28/2016</a:t>
+              <a:t>11/29/2016</a:t>
             </a:fld>
             <a:endParaRPr lang="en-US" dirty="0"/>
           </a:p>
@@ -4658,7 +4663,7 @@
           <a:p>
             <a:fld id="{48A87A34-81AB-432B-8DAE-1953F412C126}" type="datetimeFigureOut">
               <a:rPr lang="en-US" dirty="0"/>
-              <a:t>11/28/2016</a:t>
+              <a:t>11/29/2016</a:t>
             </a:fld>
             <a:endParaRPr lang="en-US" dirty="0"/>
           </a:p>
@@ -4849,7 +4854,7 @@
           <a:p>
             <a:fld id="{48A87A34-81AB-432B-8DAE-1953F412C126}" type="datetimeFigureOut">
               <a:rPr lang="en-US" dirty="0"/>
-              <a:t>11/28/2016</a:t>
+              <a:t>11/29/2016</a:t>
             </a:fld>
             <a:endParaRPr lang="en-US" dirty="0"/>
           </a:p>
@@ -5107,7 +5112,7 @@
           <a:p>
             <a:fld id="{48A87A34-81AB-432B-8DAE-1953F412C126}" type="datetimeFigureOut">
               <a:rPr lang="en-US" dirty="0"/>
-              <a:t>11/28/2016</a:t>
+              <a:t>11/29/2016</a:t>
             </a:fld>
             <a:endParaRPr lang="en-US" dirty="0"/>
           </a:p>
@@ -5536,7 +5541,7 @@
           <a:p>
             <a:fld id="{48A87A34-81AB-432B-8DAE-1953F412C126}" type="datetimeFigureOut">
               <a:rPr lang="en-US" dirty="0"/>
-              <a:t>11/28/2016</a:t>
+              <a:t>11/29/2016</a:t>
             </a:fld>
             <a:endParaRPr lang="en-US" dirty="0"/>
           </a:p>
@@ -6077,7 +6082,7 @@
           <a:p>
             <a:fld id="{48A87A34-81AB-432B-8DAE-1953F412C126}" type="datetimeFigureOut">
               <a:rPr lang="en-US" dirty="0"/>
-              <a:t>11/28/2016</a:t>
+              <a:t>11/29/2016</a:t>
             </a:fld>
             <a:endParaRPr lang="en-US" dirty="0"/>
           </a:p>
@@ -6792,7 +6797,7 @@
           <a:p>
             <a:fld id="{48A87A34-81AB-432B-8DAE-1953F412C126}" type="datetimeFigureOut">
               <a:rPr lang="en-US" dirty="0"/>
-              <a:t>11/28/2016</a:t>
+              <a:t>11/29/2016</a:t>
             </a:fld>
             <a:endParaRPr lang="en-US" dirty="0"/>
           </a:p>
@@ -6957,7 +6962,7 @@
           <a:p>
             <a:fld id="{48A87A34-81AB-432B-8DAE-1953F412C126}" type="datetimeFigureOut">
               <a:rPr lang="en-US" dirty="0"/>
-              <a:t>11/28/2016</a:t>
+              <a:t>11/29/2016</a:t>
             </a:fld>
             <a:endParaRPr lang="en-US" dirty="0"/>
           </a:p>
@@ -7132,7 +7137,7 @@
           <a:p>
             <a:fld id="{48A87A34-81AB-432B-8DAE-1953F412C126}" type="datetimeFigureOut">
               <a:rPr lang="en-US" dirty="0"/>
-              <a:t>11/28/2016</a:t>
+              <a:t>11/29/2016</a:t>
             </a:fld>
             <a:endParaRPr lang="en-US" dirty="0"/>
           </a:p>
@@ -7297,7 +7302,7 @@
           <a:p>
             <a:fld id="{48A87A34-81AB-432B-8DAE-1953F412C126}" type="datetimeFigureOut">
               <a:rPr lang="en-US" dirty="0"/>
-              <a:t>11/28/2016</a:t>
+              <a:t>11/29/2016</a:t>
             </a:fld>
             <a:endParaRPr lang="en-US" dirty="0"/>
           </a:p>
@@ -7542,7 +7547,7 @@
           <a:p>
             <a:fld id="{48A87A34-81AB-432B-8DAE-1953F412C126}" type="datetimeFigureOut">
               <a:rPr lang="en-US" dirty="0"/>
-              <a:t>11/28/2016</a:t>
+              <a:t>11/29/2016</a:t>
             </a:fld>
             <a:endParaRPr lang="en-US" dirty="0"/>
           </a:p>
@@ -7769,7 +7774,7 @@
           <a:p>
             <a:fld id="{48A87A34-81AB-432B-8DAE-1953F412C126}" type="datetimeFigureOut">
               <a:rPr lang="en-US" dirty="0"/>
-              <a:t>11/28/2016</a:t>
+              <a:t>11/29/2016</a:t>
             </a:fld>
             <a:endParaRPr lang="en-US" dirty="0"/>
           </a:p>
@@ -8145,7 +8150,7 @@
           <a:p>
             <a:fld id="{48A87A34-81AB-432B-8DAE-1953F412C126}" type="datetimeFigureOut">
               <a:rPr lang="en-US" dirty="0"/>
-              <a:t>11/28/2016</a:t>
+              <a:t>11/29/2016</a:t>
             </a:fld>
             <a:endParaRPr lang="en-US" dirty="0"/>
           </a:p>
@@ -8258,7 +8263,7 @@
           <a:p>
             <a:fld id="{48A87A34-81AB-432B-8DAE-1953F412C126}" type="datetimeFigureOut">
               <a:rPr lang="en-US" dirty="0"/>
-              <a:t>11/28/2016</a:t>
+              <a:t>11/29/2016</a:t>
             </a:fld>
             <a:endParaRPr lang="en-US" dirty="0"/>
           </a:p>
@@ -8348,7 +8353,7 @@
           <a:p>
             <a:fld id="{48A87A34-81AB-432B-8DAE-1953F412C126}" type="datetimeFigureOut">
               <a:rPr lang="en-US" dirty="0"/>
-              <a:t>11/28/2016</a:t>
+              <a:t>11/29/2016</a:t>
             </a:fld>
             <a:endParaRPr lang="en-US" dirty="0"/>
           </a:p>
@@ -8592,7 +8597,7 @@
           <a:p>
             <a:fld id="{48A87A34-81AB-432B-8DAE-1953F412C126}" type="datetimeFigureOut">
               <a:rPr lang="en-US" dirty="0"/>
-              <a:t>11/28/2016</a:t>
+              <a:t>11/29/2016</a:t>
             </a:fld>
             <a:endParaRPr lang="en-US" dirty="0"/>
           </a:p>
@@ -8867,7 +8872,7 @@
           <a:p>
             <a:fld id="{48A87A34-81AB-432B-8DAE-1953F412C126}" type="datetimeFigureOut">
               <a:rPr lang="en-US" dirty="0"/>
-              <a:t>11/28/2016</a:t>
+              <a:t>11/29/2016</a:t>
             </a:fld>
             <a:endParaRPr lang="en-US" dirty="0"/>
           </a:p>
@@ -11947,7 +11952,7 @@
             <a:fld id="{48A87A34-81AB-432B-8DAE-1953F412C126}" type="datetimeFigureOut">
               <a:rPr lang="en-US" dirty="0"/>
               <a:pPr/>
-              <a:t>11/28/2016</a:t>
+              <a:t>11/29/2016</a:t>
             </a:fld>
             <a:endParaRPr lang="en-US" dirty="0"/>
           </a:p>
@@ -12437,7 +12442,12 @@
             <p:ph type="subTitle" idx="1"/>
           </p:nvPr>
         </p:nvSpPr>
-        <p:spPr/>
+        <p:spPr>
+          <a:xfrm>
+            <a:off x="1876424" y="3602038"/>
+            <a:ext cx="9785489" cy="1655762"/>
+          </a:xfrm>
+        </p:spPr>
         <p:txBody>
           <a:bodyPr/>
           <a:lstStyle/>
@@ -12450,13 +12460,62 @@
           <a:p>
             <a:r>
               <a:rPr lang="en-CA" dirty="0"/>
-              <a:t>by: Masoud </a:t>
+              <a:t>by: Masoud Rahguzar</a:t>
+            </a:r>
+          </a:p>
+          <a:p>
+            <a:r>
+              <a:rPr lang="en-CA" dirty="0"/>
+              <a:t>Group </a:t>
             </a:r>
             <a:r>
               <a:rPr lang="en-CA" dirty="0" err="1"/>
-              <a:t>rahguzar</a:t>
+              <a:t>MeMbers</a:t>
             </a:r>
-            <a:endParaRPr lang="en-CA" dirty="0"/>
+            <a:r>
+              <a:rPr lang="en-CA" dirty="0"/>
+              <a:t>: </a:t>
+            </a:r>
+            <a:r>
+              <a:rPr lang="en-CA" dirty="0" err="1"/>
+              <a:t>Rafil</a:t>
+            </a:r>
+            <a:r>
+              <a:rPr lang="en-CA" dirty="0"/>
+              <a:t> </a:t>
+            </a:r>
+            <a:r>
+              <a:rPr lang="en-CA" dirty="0" err="1"/>
+              <a:t>Yashooa</a:t>
+            </a:r>
+            <a:r>
+              <a:rPr lang="en-CA" dirty="0"/>
+              <a:t>, </a:t>
+            </a:r>
+            <a:r>
+              <a:rPr lang="en-CA" dirty="0" err="1"/>
+              <a:t>Divesh</a:t>
+            </a:r>
+            <a:r>
+              <a:rPr lang="en-CA" dirty="0"/>
+              <a:t> </a:t>
+            </a:r>
+            <a:r>
+              <a:rPr lang="en-CA" dirty="0" err="1"/>
+              <a:t>oree</a:t>
+            </a:r>
+            <a:r>
+              <a:rPr lang="en-CA" dirty="0"/>
+              <a:t>, Gurpreet </a:t>
+            </a:r>
+            <a:r>
+              <a:rPr lang="en-CA" dirty="0" err="1"/>
+              <a:t>Jhita</a:t>
+            </a:r>
+            <a:r>
+              <a:rPr lang="en-CA" dirty="0"/>
+              <a:t>	</a:t>
+            </a:r>
           </a:p>
         </p:txBody>
       </p:sp>
@@ -12525,115 +12584,44 @@
         <p:spPr/>
         <p:txBody>
           <a:bodyPr>
-            <a:normAutofit fontScale="70000" lnSpcReduction="20000"/>
+            <a:normAutofit/>
           </a:bodyPr>
           <a:lstStyle/>
           <a:p>
+            <a:pPr marL="0" indent="0">
+              <a:buNone/>
+            </a:pPr>
             <a:r>
-              <a:rPr lang="en-CA" dirty="0">
-                <a:effectLst/>
-              </a:rPr>
-              <a:t>As a student in the Computer Engineering Technology program, I will be integrating the knowledge and skills I have learned from our program into this Internet of Things themed capstone project. This proposal requests the approval to build the hardware portion that will connect to a database as well as to a mobile device application. The internet connected hardware will include a custom PCB with sensors and actuators for </a:t>
+              <a:rPr lang="en-CA" u="sng" dirty="0"/>
+              <a:t>Purpose</a:t>
             </a:r>
+          </a:p>
+          <a:p>
+            <a:pPr marL="0" indent="0">
+              <a:buNone/>
+            </a:pPr>
             <a:r>
-              <a:rPr lang="en-CA" b="1" dirty="0">
-                <a:effectLst/>
-              </a:rPr>
-              <a:t>Parts Crib Database</a:t>
+              <a:rPr lang="en-CA" dirty="0"/>
+              <a:t>The purpose of our project is to create a quick and efficient way to take out items from the parts</a:t>
             </a:r>
+          </a:p>
+          <a:p>
+            <a:pPr marL="0" indent="0">
+              <a:buNone/>
+            </a:pPr>
             <a:r>
-              <a:rPr lang="en-CA" dirty="0">
-                <a:effectLst/>
-              </a:rPr>
-              <a:t>. The database will </a:t>
+              <a:rPr lang="en-CA" u="sng" dirty="0"/>
+              <a:t>How</a:t>
             </a:r>
+          </a:p>
+          <a:p>
+            <a:pPr marL="0" indent="0">
+              <a:buNone/>
+            </a:pPr>
             <a:r>
-              <a:rPr lang="en-CA" b="1" dirty="0">
-                <a:effectLst/>
-              </a:rPr>
-              <a:t>store information of students whom rent out items from the parts crib</a:t>
+              <a:rPr lang="en-CA" dirty="0"/>
+              <a:t>Our project will being using a raspberry pi, webcam and a barcode that will be scanned and saved as a txt file and then put database.</a:t>
             </a:r>
-            <a:r>
-              <a:rPr lang="en-CA" dirty="0">
-                <a:effectLst/>
-              </a:rPr>
-              <a:t>. The mobile device functionality will include </a:t>
-            </a:r>
-            <a:r>
-              <a:rPr lang="en-CA" b="1" dirty="0">
-                <a:effectLst/>
-              </a:rPr>
-              <a:t>list amount of each item in the parts crib and how many are left after being rented out and </a:t>
-            </a:r>
-            <a:r>
-              <a:rPr lang="en-CA" dirty="0">
-                <a:effectLst/>
-              </a:rPr>
-              <a:t>will be further detailed in the mobile application proposal. I will be collaborating with the following company/department </a:t>
-            </a:r>
-            <a:r>
-              <a:rPr lang="en-CA" b="1" dirty="0">
-                <a:effectLst/>
-              </a:rPr>
-              <a:t>Humber College Information Technology</a:t>
-            </a:r>
-            <a:r>
-              <a:rPr lang="en-CA" dirty="0">
-                <a:effectLst/>
-              </a:rPr>
-              <a:t>. In the winter semester I plan to form a group with the following students, who are also building similar hardware this term and working on the mobile application with me are </a:t>
-            </a:r>
-            <a:r>
-              <a:rPr lang="en-CA" b="1" dirty="0" err="1">
-                <a:effectLst/>
-              </a:rPr>
-              <a:t>Rafil</a:t>
-            </a:r>
-            <a:r>
-              <a:rPr lang="en-CA" b="1" dirty="0">
-                <a:effectLst/>
-              </a:rPr>
-              <a:t> </a:t>
-            </a:r>
-            <a:r>
-              <a:rPr lang="en-CA" b="1" dirty="0" err="1">
-                <a:effectLst/>
-              </a:rPr>
-              <a:t>Yashooa</a:t>
-            </a:r>
-            <a:r>
-              <a:rPr lang="en-CA" b="1" dirty="0">
-                <a:effectLst/>
-              </a:rPr>
-              <a:t> and </a:t>
-            </a:r>
-            <a:r>
-              <a:rPr lang="en-CA" b="1" dirty="0" err="1">
-                <a:effectLst/>
-              </a:rPr>
-              <a:t>Divesh</a:t>
-            </a:r>
-            <a:r>
-              <a:rPr lang="en-CA" b="1" dirty="0">
-                <a:effectLst/>
-              </a:rPr>
-              <a:t> </a:t>
-            </a:r>
-            <a:r>
-              <a:rPr lang="en-CA" b="1" dirty="0" err="1">
-                <a:effectLst/>
-              </a:rPr>
-              <a:t>Oree</a:t>
-            </a:r>
-            <a:r>
-              <a:rPr lang="en-CA" dirty="0">
-                <a:effectLst/>
-              </a:rPr>
-              <a:t>. The hardware will be completed in CENG 317 Hardware Production Techniques independently and the application will be completed in CENG 319 Software Project. These will be integrated together in the subsequent term in CENG 355 Computer Systems Project as a member of a 2 or 3 student group.</a:t>
-            </a:r>
-          </a:p>
-          <a:p>
-            <a:endParaRPr lang="en-CA" dirty="0"/>
           </a:p>
         </p:txBody>
       </p:sp>
@@ -12777,12 +12765,626 @@
             <p:ph idx="1"/>
           </p:nvPr>
         </p:nvSpPr>
-        <p:spPr/>
+        <p:spPr>
+          <a:xfrm>
+            <a:off x="1141412" y="2249487"/>
+            <a:ext cx="3483597" cy="3541714"/>
+          </a:xfrm>
+        </p:spPr>
         <p:txBody>
           <a:bodyPr/>
           <a:lstStyle/>
           <a:p>
+            <a:pPr marL="0" indent="0">
+              <a:buNone/>
+            </a:pPr>
+            <a:r>
+              <a:rPr lang="en-CA" dirty="0"/>
+              <a:t>Week 1- 6</a:t>
+            </a:r>
+          </a:p>
+          <a:p>
+            <a:pPr marL="0" indent="0">
+              <a:buNone/>
+            </a:pPr>
+            <a:r>
+              <a:rPr lang="en-CA" dirty="0"/>
+              <a:t>Proposal</a:t>
+            </a:r>
+          </a:p>
+          <a:p>
+            <a:pPr marL="0" indent="0">
+              <a:buNone/>
+            </a:pPr>
+            <a:r>
+              <a:rPr lang="en-CA" dirty="0"/>
+              <a:t>Schedule</a:t>
+            </a:r>
+          </a:p>
+          <a:p>
+            <a:pPr marL="0" indent="0">
+              <a:buNone/>
+            </a:pPr>
+            <a:r>
+              <a:rPr lang="en-CA" dirty="0"/>
+              <a:t>Budget</a:t>
+            </a:r>
+          </a:p>
+          <a:p>
+            <a:pPr marL="0" indent="0">
+              <a:buNone/>
+            </a:pPr>
+            <a:r>
+              <a:rPr lang="en-CA" dirty="0"/>
+              <a:t>Reports</a:t>
+            </a:r>
+          </a:p>
+          <a:p>
+            <a:pPr marL="0" indent="0">
+              <a:buNone/>
+            </a:pPr>
+            <a:r>
+              <a:rPr lang="en-CA" dirty="0"/>
+              <a:t>Mechanical Assembly</a:t>
+            </a:r>
+          </a:p>
+          <a:p>
+            <a:pPr marL="0" indent="0">
+              <a:buNone/>
+            </a:pPr>
             <a:endParaRPr lang="en-CA" dirty="0"/>
+          </a:p>
+        </p:txBody>
+      </p:sp>
+      <p:sp>
+        <p:nvSpPr>
+          <p:cNvPr id="4" name="Content Placeholder 2"/>
+          <p:cNvSpPr txBox="1">
+            <a:spLocks/>
+          </p:cNvSpPr>
+          <p:nvPr/>
+        </p:nvSpPr>
+        <p:spPr>
+          <a:xfrm>
+            <a:off x="4625009" y="2249487"/>
+            <a:ext cx="3483597" cy="3541714"/>
+          </a:xfrm>
+          <a:prstGeom prst="rect">
+            <a:avLst/>
+          </a:prstGeom>
+        </p:spPr>
+        <p:txBody>
+          <a:bodyPr vert="horz" lIns="91440" tIns="45720" rIns="91440" bIns="45720" rtlCol="0">
+            <a:normAutofit/>
+          </a:bodyPr>
+          <a:lstStyle>
+            <a:lvl1pPr marL="228600" indent="-228600" algn="l" defTabSz="914400" rtl="0" eaLnBrk="1" latinLnBrk="0" hangingPunct="1">
+              <a:lnSpc>
+                <a:spcPct val="120000"/>
+              </a:lnSpc>
+              <a:spcBef>
+                <a:spcPts val="1000"/>
+              </a:spcBef>
+              <a:buSzPct val="125000"/>
+              <a:buFont typeface="Arial" panose="020B0604020202020204" pitchFamily="34" charset="0"/>
+              <a:buChar char="•"/>
+              <a:defRPr sz="2400" kern="1200">
+                <a:solidFill>
+                  <a:schemeClr val="tx1"/>
+                </a:solidFill>
+                <a:effectLst>
+                  <a:outerShdw blurRad="152400" dist="38100" dir="2700000" algn="tl">
+                    <a:srgbClr val="000000">
+                      <a:alpha val="36000"/>
+                    </a:srgbClr>
+                  </a:outerShdw>
+                </a:effectLst>
+                <a:latin typeface="+mn-lt"/>
+                <a:ea typeface="+mn-ea"/>
+                <a:cs typeface="+mn-cs"/>
+              </a:defRPr>
+            </a:lvl1pPr>
+            <a:lvl2pPr marL="685800" indent="-228600" algn="l" defTabSz="914400" rtl="0" eaLnBrk="1" latinLnBrk="0" hangingPunct="1">
+              <a:lnSpc>
+                <a:spcPct val="120000"/>
+              </a:lnSpc>
+              <a:spcBef>
+                <a:spcPts val="500"/>
+              </a:spcBef>
+              <a:buSzPct val="125000"/>
+              <a:buFont typeface="Arial" panose="020B0604020202020204" pitchFamily="34" charset="0"/>
+              <a:buChar char="•"/>
+              <a:defRPr sz="2000" kern="1200">
+                <a:solidFill>
+                  <a:schemeClr val="tx1"/>
+                </a:solidFill>
+                <a:effectLst>
+                  <a:outerShdw blurRad="152400" dist="38100" dir="2700000" algn="tl">
+                    <a:srgbClr val="000000">
+                      <a:alpha val="36000"/>
+                    </a:srgbClr>
+                  </a:outerShdw>
+                </a:effectLst>
+                <a:latin typeface="+mn-lt"/>
+                <a:ea typeface="+mn-ea"/>
+                <a:cs typeface="+mn-cs"/>
+              </a:defRPr>
+            </a:lvl2pPr>
+            <a:lvl3pPr marL="1143000" indent="-228600" algn="l" defTabSz="914400" rtl="0" eaLnBrk="1" latinLnBrk="0" hangingPunct="1">
+              <a:lnSpc>
+                <a:spcPct val="120000"/>
+              </a:lnSpc>
+              <a:spcBef>
+                <a:spcPts val="500"/>
+              </a:spcBef>
+              <a:buSzPct val="125000"/>
+              <a:buFont typeface="Arial" panose="020B0604020202020204" pitchFamily="34" charset="0"/>
+              <a:buChar char="•"/>
+              <a:defRPr sz="1800" kern="1200">
+                <a:solidFill>
+                  <a:schemeClr val="tx1"/>
+                </a:solidFill>
+                <a:effectLst>
+                  <a:outerShdw blurRad="152400" dist="38100" dir="2700000" algn="tl">
+                    <a:srgbClr val="000000">
+                      <a:alpha val="36000"/>
+                    </a:srgbClr>
+                  </a:outerShdw>
+                </a:effectLst>
+                <a:latin typeface="+mn-lt"/>
+                <a:ea typeface="+mn-ea"/>
+                <a:cs typeface="+mn-cs"/>
+              </a:defRPr>
+            </a:lvl3pPr>
+            <a:lvl4pPr marL="1600200" indent="-228600" algn="l" defTabSz="914400" rtl="0" eaLnBrk="1" latinLnBrk="0" hangingPunct="1">
+              <a:lnSpc>
+                <a:spcPct val="120000"/>
+              </a:lnSpc>
+              <a:spcBef>
+                <a:spcPts val="500"/>
+              </a:spcBef>
+              <a:buSzPct val="125000"/>
+              <a:buFont typeface="Arial" panose="020B0604020202020204" pitchFamily="34" charset="0"/>
+              <a:buChar char="•"/>
+              <a:defRPr sz="1600" kern="1200">
+                <a:solidFill>
+                  <a:schemeClr val="tx1"/>
+                </a:solidFill>
+                <a:effectLst>
+                  <a:outerShdw blurRad="152400" dist="38100" dir="2700000" algn="tl">
+                    <a:srgbClr val="000000">
+                      <a:alpha val="36000"/>
+                    </a:srgbClr>
+                  </a:outerShdw>
+                </a:effectLst>
+                <a:latin typeface="+mn-lt"/>
+                <a:ea typeface="+mn-ea"/>
+                <a:cs typeface="+mn-cs"/>
+              </a:defRPr>
+            </a:lvl4pPr>
+            <a:lvl5pPr marL="2057400" indent="-228600" algn="l" defTabSz="914400" rtl="0" eaLnBrk="1" latinLnBrk="0" hangingPunct="1">
+              <a:lnSpc>
+                <a:spcPct val="120000"/>
+              </a:lnSpc>
+              <a:spcBef>
+                <a:spcPts val="500"/>
+              </a:spcBef>
+              <a:buSzPct val="125000"/>
+              <a:buFont typeface="Arial" panose="020B0604020202020204" pitchFamily="34" charset="0"/>
+              <a:buChar char="•"/>
+              <a:defRPr sz="1600" kern="1200">
+                <a:solidFill>
+                  <a:schemeClr val="tx1"/>
+                </a:solidFill>
+                <a:effectLst>
+                  <a:outerShdw blurRad="152400" dist="38100" dir="2700000" algn="tl">
+                    <a:srgbClr val="000000">
+                      <a:alpha val="36000"/>
+                    </a:srgbClr>
+                  </a:outerShdw>
+                </a:effectLst>
+                <a:latin typeface="+mn-lt"/>
+                <a:ea typeface="+mn-ea"/>
+                <a:cs typeface="+mn-cs"/>
+              </a:defRPr>
+            </a:lvl5pPr>
+            <a:lvl6pPr marL="2514600" indent="-228600" algn="l" defTabSz="914400" rtl="0" eaLnBrk="1" latinLnBrk="0" hangingPunct="1">
+              <a:lnSpc>
+                <a:spcPct val="120000"/>
+              </a:lnSpc>
+              <a:spcBef>
+                <a:spcPts val="500"/>
+              </a:spcBef>
+              <a:buSzPct val="125000"/>
+              <a:buFont typeface="Arial" panose="020B0604020202020204" pitchFamily="34" charset="0"/>
+              <a:buChar char="•"/>
+              <a:defRPr sz="1400" kern="1200">
+                <a:solidFill>
+                  <a:schemeClr val="tx1"/>
+                </a:solidFill>
+                <a:latin typeface="+mn-lt"/>
+                <a:ea typeface="+mn-ea"/>
+                <a:cs typeface="+mn-cs"/>
+              </a:defRPr>
+            </a:lvl6pPr>
+            <a:lvl7pPr marL="2971800" indent="-228600" algn="l" defTabSz="914400" rtl="0" eaLnBrk="1" latinLnBrk="0" hangingPunct="1">
+              <a:lnSpc>
+                <a:spcPct val="120000"/>
+              </a:lnSpc>
+              <a:spcBef>
+                <a:spcPts val="500"/>
+              </a:spcBef>
+              <a:buSzPct val="125000"/>
+              <a:buFont typeface="Arial" panose="020B0604020202020204" pitchFamily="34" charset="0"/>
+              <a:buChar char="•"/>
+              <a:defRPr sz="1400" kern="1200">
+                <a:solidFill>
+                  <a:schemeClr val="tx1"/>
+                </a:solidFill>
+                <a:latin typeface="+mn-lt"/>
+                <a:ea typeface="+mn-ea"/>
+                <a:cs typeface="+mn-cs"/>
+              </a:defRPr>
+            </a:lvl7pPr>
+            <a:lvl8pPr marL="3429000" indent="-228600" algn="l" defTabSz="914400" rtl="0" eaLnBrk="1" latinLnBrk="0" hangingPunct="1">
+              <a:lnSpc>
+                <a:spcPct val="120000"/>
+              </a:lnSpc>
+              <a:spcBef>
+                <a:spcPts val="500"/>
+              </a:spcBef>
+              <a:buSzPct val="125000"/>
+              <a:buFont typeface="Arial" panose="020B0604020202020204" pitchFamily="34" charset="0"/>
+              <a:buChar char="•"/>
+              <a:defRPr sz="1400" kern="1200">
+                <a:solidFill>
+                  <a:schemeClr val="tx1"/>
+                </a:solidFill>
+                <a:latin typeface="+mn-lt"/>
+                <a:ea typeface="+mn-ea"/>
+                <a:cs typeface="+mn-cs"/>
+              </a:defRPr>
+            </a:lvl8pPr>
+            <a:lvl9pPr marL="3886200" indent="-228600" algn="l" defTabSz="914400" rtl="0" eaLnBrk="1" latinLnBrk="0" hangingPunct="1">
+              <a:lnSpc>
+                <a:spcPct val="120000"/>
+              </a:lnSpc>
+              <a:spcBef>
+                <a:spcPts val="500"/>
+              </a:spcBef>
+              <a:buSzPct val="125000"/>
+              <a:buFont typeface="Arial" panose="020B0604020202020204" pitchFamily="34" charset="0"/>
+              <a:buChar char="•"/>
+              <a:defRPr sz="1400" kern="1200">
+                <a:solidFill>
+                  <a:schemeClr val="tx1"/>
+                </a:solidFill>
+                <a:latin typeface="+mn-lt"/>
+                <a:ea typeface="+mn-ea"/>
+                <a:cs typeface="+mn-cs"/>
+              </a:defRPr>
+            </a:lvl9pPr>
+          </a:lstStyle>
+          <a:p>
+            <a:pPr marL="0" indent="0">
+              <a:buFont typeface="Arial" panose="020B0604020202020204" pitchFamily="34" charset="0"/>
+              <a:buNone/>
+            </a:pPr>
+            <a:r>
+              <a:rPr lang="en-CA" dirty="0"/>
+              <a:t>Week 7-12</a:t>
+            </a:r>
+          </a:p>
+          <a:p>
+            <a:pPr marL="0" indent="0">
+              <a:buFont typeface="Arial" panose="020B0604020202020204" pitchFamily="34" charset="0"/>
+              <a:buNone/>
+            </a:pPr>
+            <a:r>
+              <a:rPr lang="en-CA" dirty="0"/>
+              <a:t>Power-up Milestone</a:t>
+            </a:r>
+          </a:p>
+          <a:p>
+            <a:pPr marL="0" indent="0">
+              <a:buFont typeface="Arial" panose="020B0604020202020204" pitchFamily="34" charset="0"/>
+              <a:buNone/>
+            </a:pPr>
+            <a:r>
+              <a:rPr lang="en-CA" dirty="0"/>
+              <a:t>Placard</a:t>
+            </a:r>
+          </a:p>
+          <a:p>
+            <a:pPr marL="0" indent="0">
+              <a:buFont typeface="Arial" panose="020B0604020202020204" pitchFamily="34" charset="0"/>
+              <a:buNone/>
+            </a:pPr>
+            <a:r>
+              <a:rPr lang="en-CA" dirty="0"/>
+              <a:t>Build Video</a:t>
+            </a:r>
+          </a:p>
+          <a:p>
+            <a:pPr marL="0" indent="0">
+              <a:buFont typeface="Arial" panose="020B0604020202020204" pitchFamily="34" charset="0"/>
+              <a:buNone/>
+            </a:pPr>
+            <a:r>
+              <a:rPr lang="en-CA" dirty="0"/>
+              <a:t>Reports</a:t>
+            </a:r>
+          </a:p>
+        </p:txBody>
+      </p:sp>
+      <p:sp>
+        <p:nvSpPr>
+          <p:cNvPr id="5" name="Content Placeholder 2"/>
+          <p:cNvSpPr txBox="1">
+            <a:spLocks/>
+          </p:cNvSpPr>
+          <p:nvPr/>
+        </p:nvSpPr>
+        <p:spPr>
+          <a:xfrm>
+            <a:off x="8108606" y="2097088"/>
+            <a:ext cx="3483597" cy="3541714"/>
+          </a:xfrm>
+          <a:prstGeom prst="rect">
+            <a:avLst/>
+          </a:prstGeom>
+        </p:spPr>
+        <p:txBody>
+          <a:bodyPr vert="horz" lIns="91440" tIns="45720" rIns="91440" bIns="45720" rtlCol="0">
+            <a:normAutofit/>
+          </a:bodyPr>
+          <a:lstStyle>
+            <a:lvl1pPr marL="228600" indent="-228600" algn="l" defTabSz="914400" rtl="0" eaLnBrk="1" latinLnBrk="0" hangingPunct="1">
+              <a:lnSpc>
+                <a:spcPct val="120000"/>
+              </a:lnSpc>
+              <a:spcBef>
+                <a:spcPts val="1000"/>
+              </a:spcBef>
+              <a:buSzPct val="125000"/>
+              <a:buFont typeface="Arial" panose="020B0604020202020204" pitchFamily="34" charset="0"/>
+              <a:buChar char="•"/>
+              <a:defRPr sz="2400" kern="1200">
+                <a:solidFill>
+                  <a:schemeClr val="tx1"/>
+                </a:solidFill>
+                <a:effectLst>
+                  <a:outerShdw blurRad="152400" dist="38100" dir="2700000" algn="tl">
+                    <a:srgbClr val="000000">
+                      <a:alpha val="36000"/>
+                    </a:srgbClr>
+                  </a:outerShdw>
+                </a:effectLst>
+                <a:latin typeface="+mn-lt"/>
+                <a:ea typeface="+mn-ea"/>
+                <a:cs typeface="+mn-cs"/>
+              </a:defRPr>
+            </a:lvl1pPr>
+            <a:lvl2pPr marL="685800" indent="-228600" algn="l" defTabSz="914400" rtl="0" eaLnBrk="1" latinLnBrk="0" hangingPunct="1">
+              <a:lnSpc>
+                <a:spcPct val="120000"/>
+              </a:lnSpc>
+              <a:spcBef>
+                <a:spcPts val="500"/>
+              </a:spcBef>
+              <a:buSzPct val="125000"/>
+              <a:buFont typeface="Arial" panose="020B0604020202020204" pitchFamily="34" charset="0"/>
+              <a:buChar char="•"/>
+              <a:defRPr sz="2000" kern="1200">
+                <a:solidFill>
+                  <a:schemeClr val="tx1"/>
+                </a:solidFill>
+                <a:effectLst>
+                  <a:outerShdw blurRad="152400" dist="38100" dir="2700000" algn="tl">
+                    <a:srgbClr val="000000">
+                      <a:alpha val="36000"/>
+                    </a:srgbClr>
+                  </a:outerShdw>
+                </a:effectLst>
+                <a:latin typeface="+mn-lt"/>
+                <a:ea typeface="+mn-ea"/>
+                <a:cs typeface="+mn-cs"/>
+              </a:defRPr>
+            </a:lvl2pPr>
+            <a:lvl3pPr marL="1143000" indent="-228600" algn="l" defTabSz="914400" rtl="0" eaLnBrk="1" latinLnBrk="0" hangingPunct="1">
+              <a:lnSpc>
+                <a:spcPct val="120000"/>
+              </a:lnSpc>
+              <a:spcBef>
+                <a:spcPts val="500"/>
+              </a:spcBef>
+              <a:buSzPct val="125000"/>
+              <a:buFont typeface="Arial" panose="020B0604020202020204" pitchFamily="34" charset="0"/>
+              <a:buChar char="•"/>
+              <a:defRPr sz="1800" kern="1200">
+                <a:solidFill>
+                  <a:schemeClr val="tx1"/>
+                </a:solidFill>
+                <a:effectLst>
+                  <a:outerShdw blurRad="152400" dist="38100" dir="2700000" algn="tl">
+                    <a:srgbClr val="000000">
+                      <a:alpha val="36000"/>
+                    </a:srgbClr>
+                  </a:outerShdw>
+                </a:effectLst>
+                <a:latin typeface="+mn-lt"/>
+                <a:ea typeface="+mn-ea"/>
+                <a:cs typeface="+mn-cs"/>
+              </a:defRPr>
+            </a:lvl3pPr>
+            <a:lvl4pPr marL="1600200" indent="-228600" algn="l" defTabSz="914400" rtl="0" eaLnBrk="1" latinLnBrk="0" hangingPunct="1">
+              <a:lnSpc>
+                <a:spcPct val="120000"/>
+              </a:lnSpc>
+              <a:spcBef>
+                <a:spcPts val="500"/>
+              </a:spcBef>
+              <a:buSzPct val="125000"/>
+              <a:buFont typeface="Arial" panose="020B0604020202020204" pitchFamily="34" charset="0"/>
+              <a:buChar char="•"/>
+              <a:defRPr sz="1600" kern="1200">
+                <a:solidFill>
+                  <a:schemeClr val="tx1"/>
+                </a:solidFill>
+                <a:effectLst>
+                  <a:outerShdw blurRad="152400" dist="38100" dir="2700000" algn="tl">
+                    <a:srgbClr val="000000">
+                      <a:alpha val="36000"/>
+                    </a:srgbClr>
+                  </a:outerShdw>
+                </a:effectLst>
+                <a:latin typeface="+mn-lt"/>
+                <a:ea typeface="+mn-ea"/>
+                <a:cs typeface="+mn-cs"/>
+              </a:defRPr>
+            </a:lvl4pPr>
+            <a:lvl5pPr marL="2057400" indent="-228600" algn="l" defTabSz="914400" rtl="0" eaLnBrk="1" latinLnBrk="0" hangingPunct="1">
+              <a:lnSpc>
+                <a:spcPct val="120000"/>
+              </a:lnSpc>
+              <a:spcBef>
+                <a:spcPts val="500"/>
+              </a:spcBef>
+              <a:buSzPct val="125000"/>
+              <a:buFont typeface="Arial" panose="020B0604020202020204" pitchFamily="34" charset="0"/>
+              <a:buChar char="•"/>
+              <a:defRPr sz="1600" kern="1200">
+                <a:solidFill>
+                  <a:schemeClr val="tx1"/>
+                </a:solidFill>
+                <a:effectLst>
+                  <a:outerShdw blurRad="152400" dist="38100" dir="2700000" algn="tl">
+                    <a:srgbClr val="000000">
+                      <a:alpha val="36000"/>
+                    </a:srgbClr>
+                  </a:outerShdw>
+                </a:effectLst>
+                <a:latin typeface="+mn-lt"/>
+                <a:ea typeface="+mn-ea"/>
+                <a:cs typeface="+mn-cs"/>
+              </a:defRPr>
+            </a:lvl5pPr>
+            <a:lvl6pPr marL="2514600" indent="-228600" algn="l" defTabSz="914400" rtl="0" eaLnBrk="1" latinLnBrk="0" hangingPunct="1">
+              <a:lnSpc>
+                <a:spcPct val="120000"/>
+              </a:lnSpc>
+              <a:spcBef>
+                <a:spcPts val="500"/>
+              </a:spcBef>
+              <a:buSzPct val="125000"/>
+              <a:buFont typeface="Arial" panose="020B0604020202020204" pitchFamily="34" charset="0"/>
+              <a:buChar char="•"/>
+              <a:defRPr sz="1400" kern="1200">
+                <a:solidFill>
+                  <a:schemeClr val="tx1"/>
+                </a:solidFill>
+                <a:latin typeface="+mn-lt"/>
+                <a:ea typeface="+mn-ea"/>
+                <a:cs typeface="+mn-cs"/>
+              </a:defRPr>
+            </a:lvl6pPr>
+            <a:lvl7pPr marL="2971800" indent="-228600" algn="l" defTabSz="914400" rtl="0" eaLnBrk="1" latinLnBrk="0" hangingPunct="1">
+              <a:lnSpc>
+                <a:spcPct val="120000"/>
+              </a:lnSpc>
+              <a:spcBef>
+                <a:spcPts val="500"/>
+              </a:spcBef>
+              <a:buSzPct val="125000"/>
+              <a:buFont typeface="Arial" panose="020B0604020202020204" pitchFamily="34" charset="0"/>
+              <a:buChar char="•"/>
+              <a:defRPr sz="1400" kern="1200">
+                <a:solidFill>
+                  <a:schemeClr val="tx1"/>
+                </a:solidFill>
+                <a:latin typeface="+mn-lt"/>
+                <a:ea typeface="+mn-ea"/>
+                <a:cs typeface="+mn-cs"/>
+              </a:defRPr>
+            </a:lvl7pPr>
+            <a:lvl8pPr marL="3429000" indent="-228600" algn="l" defTabSz="914400" rtl="0" eaLnBrk="1" latinLnBrk="0" hangingPunct="1">
+              <a:lnSpc>
+                <a:spcPct val="120000"/>
+              </a:lnSpc>
+              <a:spcBef>
+                <a:spcPts val="500"/>
+              </a:spcBef>
+              <a:buSzPct val="125000"/>
+              <a:buFont typeface="Arial" panose="020B0604020202020204" pitchFamily="34" charset="0"/>
+              <a:buChar char="•"/>
+              <a:defRPr sz="1400" kern="1200">
+                <a:solidFill>
+                  <a:schemeClr val="tx1"/>
+                </a:solidFill>
+                <a:latin typeface="+mn-lt"/>
+                <a:ea typeface="+mn-ea"/>
+                <a:cs typeface="+mn-cs"/>
+              </a:defRPr>
+            </a:lvl8pPr>
+            <a:lvl9pPr marL="3886200" indent="-228600" algn="l" defTabSz="914400" rtl="0" eaLnBrk="1" latinLnBrk="0" hangingPunct="1">
+              <a:lnSpc>
+                <a:spcPct val="120000"/>
+              </a:lnSpc>
+              <a:spcBef>
+                <a:spcPts val="500"/>
+              </a:spcBef>
+              <a:buSzPct val="125000"/>
+              <a:buFont typeface="Arial" panose="020B0604020202020204" pitchFamily="34" charset="0"/>
+              <a:buChar char="•"/>
+              <a:defRPr sz="1400" kern="1200">
+                <a:solidFill>
+                  <a:schemeClr val="tx1"/>
+                </a:solidFill>
+                <a:latin typeface="+mn-lt"/>
+                <a:ea typeface="+mn-ea"/>
+                <a:cs typeface="+mn-cs"/>
+              </a:defRPr>
+            </a:lvl9pPr>
+          </a:lstStyle>
+          <a:p>
+            <a:pPr marL="0" indent="0">
+              <a:buFont typeface="Arial" panose="020B0604020202020204" pitchFamily="34" charset="0"/>
+              <a:buNone/>
+            </a:pPr>
+            <a:r>
+              <a:rPr lang="en-CA" dirty="0"/>
+              <a:t>Week 12-15</a:t>
+            </a:r>
+          </a:p>
+          <a:p>
+            <a:pPr marL="0" indent="0">
+              <a:buFont typeface="Arial" panose="020B0604020202020204" pitchFamily="34" charset="0"/>
+              <a:buNone/>
+            </a:pPr>
+            <a:r>
+              <a:rPr lang="en-CA" dirty="0"/>
+              <a:t>PowerPoint-Presentation</a:t>
+            </a:r>
+          </a:p>
+          <a:p>
+            <a:pPr marL="0" indent="0">
+              <a:buFont typeface="Arial" panose="020B0604020202020204" pitchFamily="34" charset="0"/>
+              <a:buNone/>
+            </a:pPr>
+            <a:r>
+              <a:rPr lang="en-CA" dirty="0"/>
+              <a:t>Build Instruction</a:t>
+            </a:r>
+          </a:p>
+          <a:p>
+            <a:pPr marL="0" indent="0">
+              <a:buFont typeface="Arial" panose="020B0604020202020204" pitchFamily="34" charset="0"/>
+              <a:buNone/>
+            </a:pPr>
+            <a:r>
+              <a:rPr lang="en-CA" dirty="0"/>
+              <a:t>Filming and 30 second script</a:t>
+            </a:r>
           </a:p>
         </p:txBody>
       </p:sp>
@@ -12857,7 +13459,6 @@
               <a:rPr lang="en-CA" dirty="0"/>
               <a:t>https://masoud647.github.io/</a:t>
             </a:r>
-            <a:endParaRPr lang="en-CA" dirty="0"/>
           </a:p>
         </p:txBody>
       </p:sp>

--- a/Documents/Ceng 317 Powerpoint Presentation.pptx
+++ b/Documents/Ceng 317 Powerpoint Presentation.pptx
@@ -175,7 +175,7 @@
           <a:noFill/>
           <a:extLst>
             <a:ext uri="{909E8E84-426E-40dd-AFC4-6F175D3DCCD1}">
-              <a14:hiddenFill xmlns:a14="http://schemas.microsoft.com/office/drawing/2010/main" xmlns="">
+              <a14:hiddenFill xmlns="" xmlns:a14="http://schemas.microsoft.com/office/drawing/2010/main">
                 <a:solidFill>
                   <a:srgbClr val="FFFFFF"/>
                 </a:solidFill>
@@ -235,7 +235,7 @@
             </a:ln>
             <a:extLst>
               <a:ext uri="{91240B29-F687-4f45-9708-019B960494DF}">
-                <a14:hiddenLine xmlns:a14="http://schemas.microsoft.com/office/drawing/2010/main" xmlns="" w="9525">
+                <a14:hiddenLine xmlns="" xmlns:a14="http://schemas.microsoft.com/office/drawing/2010/main" w="9525">
                   <a:solidFill>
                     <a:srgbClr val="000000"/>
                   </a:solidFill>
@@ -325,7 +325,7 @@
             </a:ln>
             <a:extLst>
               <a:ext uri="{91240B29-F687-4f45-9708-019B960494DF}">
-                <a14:hiddenLine xmlns:a14="http://schemas.microsoft.com/office/drawing/2010/main" xmlns="" w="9525">
+                <a14:hiddenLine xmlns="" xmlns:a14="http://schemas.microsoft.com/office/drawing/2010/main" w="9525">
                   <a:solidFill>
                     <a:srgbClr val="000000"/>
                   </a:solidFill>
@@ -415,7 +415,7 @@
             </a:ln>
             <a:extLst>
               <a:ext uri="{91240B29-F687-4f45-9708-019B960494DF}">
-                <a14:hiddenLine xmlns:a14="http://schemas.microsoft.com/office/drawing/2010/main" xmlns="" w="9525">
+                <a14:hiddenLine xmlns="" xmlns:a14="http://schemas.microsoft.com/office/drawing/2010/main" w="9525">
                   <a:solidFill>
                     <a:srgbClr val="000000"/>
                   </a:solidFill>
@@ -449,7 +449,7 @@
             </a:ln>
             <a:extLst>
               <a:ext uri="{91240B29-F687-4f45-9708-019B960494DF}">
-                <a14:hiddenLine xmlns:a14="http://schemas.microsoft.com/office/drawing/2010/main" xmlns="" w="9525">
+                <a14:hiddenLine xmlns="" xmlns:a14="http://schemas.microsoft.com/office/drawing/2010/main" w="9525">
                   <a:solidFill>
                     <a:srgbClr val="000000"/>
                   </a:solidFill>
@@ -539,7 +539,7 @@
             </a:ln>
             <a:extLst>
               <a:ext uri="{91240B29-F687-4f45-9708-019B960494DF}">
-                <a14:hiddenLine xmlns:a14="http://schemas.microsoft.com/office/drawing/2010/main" xmlns="" w="9525">
+                <a14:hiddenLine xmlns="" xmlns:a14="http://schemas.microsoft.com/office/drawing/2010/main" w="9525">
                   <a:solidFill>
                     <a:srgbClr val="000000"/>
                   </a:solidFill>
@@ -601,7 +601,7 @@
             </a:ln>
             <a:extLst>
               <a:ext uri="{91240B29-F687-4f45-9708-019B960494DF}">
-                <a14:hiddenLine xmlns:a14="http://schemas.microsoft.com/office/drawing/2010/main" xmlns="" w="9525">
+                <a14:hiddenLine xmlns="" xmlns:a14="http://schemas.microsoft.com/office/drawing/2010/main" w="9525">
                   <a:solidFill>
                     <a:srgbClr val="000000"/>
                   </a:solidFill>
@@ -663,7 +663,7 @@
             </a:ln>
             <a:extLst>
               <a:ext uri="{91240B29-F687-4f45-9708-019B960494DF}">
-                <a14:hiddenLine xmlns:a14="http://schemas.microsoft.com/office/drawing/2010/main" xmlns="" w="9525">
+                <a14:hiddenLine xmlns="" xmlns:a14="http://schemas.microsoft.com/office/drawing/2010/main" w="9525">
                   <a:solidFill>
                     <a:srgbClr val="000000"/>
                   </a:solidFill>
@@ -753,7 +753,7 @@
             </a:ln>
             <a:extLst>
               <a:ext uri="{91240B29-F687-4f45-9708-019B960494DF}">
-                <a14:hiddenLine xmlns:a14="http://schemas.microsoft.com/office/drawing/2010/main" xmlns="" w="9525">
+                <a14:hiddenLine xmlns="" xmlns:a14="http://schemas.microsoft.com/office/drawing/2010/main" w="9525">
                   <a:solidFill>
                     <a:srgbClr val="000000"/>
                   </a:solidFill>
@@ -815,7 +815,7 @@
             </a:ln>
             <a:extLst>
               <a:ext uri="{91240B29-F687-4f45-9708-019B960494DF}">
-                <a14:hiddenLine xmlns:a14="http://schemas.microsoft.com/office/drawing/2010/main" xmlns="" w="9525">
+                <a14:hiddenLine xmlns="" xmlns:a14="http://schemas.microsoft.com/office/drawing/2010/main" w="9525">
                   <a:solidFill>
                     <a:srgbClr val="000000"/>
                   </a:solidFill>
@@ -877,7 +877,7 @@
             </a:ln>
             <a:extLst>
               <a:ext uri="{91240B29-F687-4f45-9708-019B960494DF}">
-                <a14:hiddenLine xmlns:a14="http://schemas.microsoft.com/office/drawing/2010/main" xmlns="" w="9525">
+                <a14:hiddenLine xmlns="" xmlns:a14="http://schemas.microsoft.com/office/drawing/2010/main" w="9525">
                   <a:solidFill>
                     <a:srgbClr val="000000"/>
                   </a:solidFill>
@@ -967,7 +967,7 @@
             </a:ln>
             <a:extLst>
               <a:ext uri="{91240B29-F687-4f45-9708-019B960494DF}">
-                <a14:hiddenLine xmlns:a14="http://schemas.microsoft.com/office/drawing/2010/main" xmlns="" w="9525">
+                <a14:hiddenLine xmlns="" xmlns:a14="http://schemas.microsoft.com/office/drawing/2010/main" w="9525">
                   <a:solidFill>
                     <a:srgbClr val="000000"/>
                   </a:solidFill>
@@ -1057,7 +1057,7 @@
             </a:ln>
             <a:extLst>
               <a:ext uri="{91240B29-F687-4f45-9708-019B960494DF}">
-                <a14:hiddenLine xmlns:a14="http://schemas.microsoft.com/office/drawing/2010/main" xmlns="" w="9525">
+                <a14:hiddenLine xmlns="" xmlns:a14="http://schemas.microsoft.com/office/drawing/2010/main" w="9525">
                   <a:solidFill>
                     <a:srgbClr val="000000"/>
                   </a:solidFill>
@@ -1119,7 +1119,7 @@
             </a:ln>
             <a:extLst>
               <a:ext uri="{91240B29-F687-4f45-9708-019B960494DF}">
-                <a14:hiddenLine xmlns:a14="http://schemas.microsoft.com/office/drawing/2010/main" xmlns="" w="9525">
+                <a14:hiddenLine xmlns="" xmlns:a14="http://schemas.microsoft.com/office/drawing/2010/main" w="9525">
                   <a:solidFill>
                     <a:srgbClr val="000000"/>
                   </a:solidFill>
@@ -1229,7 +1229,7 @@
             </a:ln>
             <a:extLst>
               <a:ext uri="{91240B29-F687-4f45-9708-019B960494DF}">
-                <a14:hiddenLine xmlns:a14="http://schemas.microsoft.com/office/drawing/2010/main" xmlns="" w="9525">
+                <a14:hiddenLine xmlns="" xmlns:a14="http://schemas.microsoft.com/office/drawing/2010/main" w="9525">
                   <a:solidFill>
                     <a:srgbClr val="000000"/>
                   </a:solidFill>
@@ -1291,7 +1291,7 @@
             </a:ln>
             <a:extLst>
               <a:ext uri="{91240B29-F687-4f45-9708-019B960494DF}">
-                <a14:hiddenLine xmlns:a14="http://schemas.microsoft.com/office/drawing/2010/main" xmlns="" w="9525">
+                <a14:hiddenLine xmlns="" xmlns:a14="http://schemas.microsoft.com/office/drawing/2010/main" w="9525">
                   <a:solidFill>
                     <a:srgbClr val="000000"/>
                   </a:solidFill>
@@ -1381,7 +1381,7 @@
             </a:ln>
             <a:extLst>
               <a:ext uri="{91240B29-F687-4f45-9708-019B960494DF}">
-                <a14:hiddenLine xmlns:a14="http://schemas.microsoft.com/office/drawing/2010/main" xmlns="" w="9525">
+                <a14:hiddenLine xmlns="" xmlns:a14="http://schemas.microsoft.com/office/drawing/2010/main" w="9525">
                   <a:solidFill>
                     <a:srgbClr val="000000"/>
                   </a:solidFill>
@@ -1471,7 +1471,7 @@
             </a:ln>
             <a:extLst>
               <a:ext uri="{91240B29-F687-4f45-9708-019B960494DF}">
-                <a14:hiddenLine xmlns:a14="http://schemas.microsoft.com/office/drawing/2010/main" xmlns="" w="9525">
+                <a14:hiddenLine xmlns="" xmlns:a14="http://schemas.microsoft.com/office/drawing/2010/main" w="9525">
                   <a:solidFill>
                     <a:srgbClr val="000000"/>
                   </a:solidFill>
@@ -1533,7 +1533,7 @@
             </a:ln>
             <a:extLst>
               <a:ext uri="{91240B29-F687-4f45-9708-019B960494DF}">
-                <a14:hiddenLine xmlns:a14="http://schemas.microsoft.com/office/drawing/2010/main" xmlns="" w="9525">
+                <a14:hiddenLine xmlns="" xmlns:a14="http://schemas.microsoft.com/office/drawing/2010/main" w="9525">
                   <a:solidFill>
                     <a:srgbClr val="000000"/>
                   </a:solidFill>
@@ -1623,7 +1623,7 @@
             </a:ln>
             <a:extLst>
               <a:ext uri="{91240B29-F687-4f45-9708-019B960494DF}">
-                <a14:hiddenLine xmlns:a14="http://schemas.microsoft.com/office/drawing/2010/main" xmlns="" w="9525">
+                <a14:hiddenLine xmlns="" xmlns:a14="http://schemas.microsoft.com/office/drawing/2010/main" w="9525">
                   <a:solidFill>
                     <a:srgbClr val="000000"/>
                   </a:solidFill>
@@ -1713,7 +1713,7 @@
             </a:ln>
             <a:extLst>
               <a:ext uri="{91240B29-F687-4f45-9708-019B960494DF}">
-                <a14:hiddenLine xmlns:a14="http://schemas.microsoft.com/office/drawing/2010/main" xmlns="" w="9525">
+                <a14:hiddenLine xmlns="" xmlns:a14="http://schemas.microsoft.com/office/drawing/2010/main" w="9525">
                   <a:solidFill>
                     <a:srgbClr val="000000"/>
                   </a:solidFill>
@@ -1769,7 +1769,7 @@
             </a:ln>
             <a:extLst>
               <a:ext uri="{91240B29-F687-4f45-9708-019B960494DF}">
-                <a14:hiddenLine xmlns:a14="http://schemas.microsoft.com/office/drawing/2010/main" xmlns="" w="9525">
+                <a14:hiddenLine xmlns="" xmlns:a14="http://schemas.microsoft.com/office/drawing/2010/main" w="9525">
                   <a:solidFill>
                     <a:srgbClr val="000000"/>
                   </a:solidFill>
@@ -1859,7 +1859,7 @@
             </a:ln>
             <a:extLst>
               <a:ext uri="{91240B29-F687-4f45-9708-019B960494DF}">
-                <a14:hiddenLine xmlns:a14="http://schemas.microsoft.com/office/drawing/2010/main" xmlns="" w="9525">
+                <a14:hiddenLine xmlns="" xmlns:a14="http://schemas.microsoft.com/office/drawing/2010/main" w="9525">
                   <a:solidFill>
                     <a:srgbClr val="000000"/>
                   </a:solidFill>
@@ -1915,7 +1915,7 @@
             </a:ln>
             <a:extLst>
               <a:ext uri="{91240B29-F687-4f45-9708-019B960494DF}">
-                <a14:hiddenLine xmlns:a14="http://schemas.microsoft.com/office/drawing/2010/main" xmlns="" w="9525">
+                <a14:hiddenLine xmlns="" xmlns:a14="http://schemas.microsoft.com/office/drawing/2010/main" w="9525">
                   <a:solidFill>
                     <a:srgbClr val="000000"/>
                   </a:solidFill>
@@ -2005,7 +2005,7 @@
             </a:ln>
             <a:extLst>
               <a:ext uri="{91240B29-F687-4f45-9708-019B960494DF}">
-                <a14:hiddenLine xmlns:a14="http://schemas.microsoft.com/office/drawing/2010/main" xmlns="" w="9525">
+                <a14:hiddenLine xmlns="" xmlns:a14="http://schemas.microsoft.com/office/drawing/2010/main" w="9525">
                   <a:solidFill>
                     <a:srgbClr val="000000"/>
                   </a:solidFill>
@@ -2073,7 +2073,7 @@
             </a:ln>
             <a:extLst>
               <a:ext uri="{91240B29-F687-4f45-9708-019B960494DF}">
-                <a14:hiddenLine xmlns:a14="http://schemas.microsoft.com/office/drawing/2010/main" xmlns="" w="9525">
+                <a14:hiddenLine xmlns="" xmlns:a14="http://schemas.microsoft.com/office/drawing/2010/main" w="9525">
                   <a:solidFill>
                     <a:srgbClr val="000000"/>
                   </a:solidFill>
@@ -2163,7 +2163,7 @@
             </a:ln>
             <a:extLst>
               <a:ext uri="{91240B29-F687-4f45-9708-019B960494DF}">
-                <a14:hiddenLine xmlns:a14="http://schemas.microsoft.com/office/drawing/2010/main" xmlns="" w="9525">
+                <a14:hiddenLine xmlns="" xmlns:a14="http://schemas.microsoft.com/office/drawing/2010/main" w="9525">
                   <a:solidFill>
                     <a:srgbClr val="000000"/>
                   </a:solidFill>
@@ -2231,7 +2231,7 @@
             </a:ln>
             <a:extLst>
               <a:ext uri="{91240B29-F687-4f45-9708-019B960494DF}">
-                <a14:hiddenLine xmlns:a14="http://schemas.microsoft.com/office/drawing/2010/main" xmlns="" w="9525">
+                <a14:hiddenLine xmlns="" xmlns:a14="http://schemas.microsoft.com/office/drawing/2010/main" w="9525">
                   <a:solidFill>
                     <a:srgbClr val="000000"/>
                   </a:solidFill>
@@ -2321,7 +2321,7 @@
             </a:ln>
             <a:extLst>
               <a:ext uri="{91240B29-F687-4f45-9708-019B960494DF}">
-                <a14:hiddenLine xmlns:a14="http://schemas.microsoft.com/office/drawing/2010/main" xmlns="" w="9525">
+                <a14:hiddenLine xmlns="" xmlns:a14="http://schemas.microsoft.com/office/drawing/2010/main" w="9525">
                   <a:solidFill>
                     <a:srgbClr val="000000"/>
                   </a:solidFill>
@@ -2355,7 +2355,7 @@
             </a:ln>
             <a:extLst>
               <a:ext uri="{91240B29-F687-4f45-9708-019B960494DF}">
-                <a14:hiddenLine xmlns:a14="http://schemas.microsoft.com/office/drawing/2010/main" xmlns="" w="9525">
+                <a14:hiddenLine xmlns="" xmlns:a14="http://schemas.microsoft.com/office/drawing/2010/main" w="9525">
                   <a:solidFill>
                     <a:srgbClr val="000000"/>
                   </a:solidFill>
@@ -2445,7 +2445,7 @@
             </a:ln>
             <a:extLst>
               <a:ext uri="{91240B29-F687-4f45-9708-019B960494DF}">
-                <a14:hiddenLine xmlns:a14="http://schemas.microsoft.com/office/drawing/2010/main" xmlns="" w="9525">
+                <a14:hiddenLine xmlns="" xmlns:a14="http://schemas.microsoft.com/office/drawing/2010/main" w="9525">
                   <a:solidFill>
                     <a:srgbClr val="000000"/>
                   </a:solidFill>
@@ -2507,7 +2507,7 @@
             </a:ln>
             <a:extLst>
               <a:ext uri="{91240B29-F687-4f45-9708-019B960494DF}">
-                <a14:hiddenLine xmlns:a14="http://schemas.microsoft.com/office/drawing/2010/main" xmlns="" w="9525">
+                <a14:hiddenLine xmlns="" xmlns:a14="http://schemas.microsoft.com/office/drawing/2010/main" w="9525">
                   <a:solidFill>
                     <a:srgbClr val="000000"/>
                   </a:solidFill>
@@ -2569,7 +2569,7 @@
             </a:ln>
             <a:extLst>
               <a:ext uri="{91240B29-F687-4f45-9708-019B960494DF}">
-                <a14:hiddenLine xmlns:a14="http://schemas.microsoft.com/office/drawing/2010/main" xmlns="" w="9525">
+                <a14:hiddenLine xmlns="" xmlns:a14="http://schemas.microsoft.com/office/drawing/2010/main" w="9525">
                   <a:solidFill>
                     <a:srgbClr val="000000"/>
                   </a:solidFill>
@@ -2659,7 +2659,7 @@
             </a:ln>
             <a:extLst>
               <a:ext uri="{91240B29-F687-4f45-9708-019B960494DF}">
-                <a14:hiddenLine xmlns:a14="http://schemas.microsoft.com/office/drawing/2010/main" xmlns="" w="9525">
+                <a14:hiddenLine xmlns="" xmlns:a14="http://schemas.microsoft.com/office/drawing/2010/main" w="9525">
                   <a:solidFill>
                     <a:srgbClr val="000000"/>
                   </a:solidFill>
@@ -2727,7 +2727,7 @@
             </a:ln>
             <a:extLst>
               <a:ext uri="{91240B29-F687-4f45-9708-019B960494DF}">
-                <a14:hiddenLine xmlns:a14="http://schemas.microsoft.com/office/drawing/2010/main" xmlns="" w="9525">
+                <a14:hiddenLine xmlns="" xmlns:a14="http://schemas.microsoft.com/office/drawing/2010/main" w="9525">
                   <a:solidFill>
                     <a:srgbClr val="000000"/>
                   </a:solidFill>
@@ -2789,7 +2789,7 @@
             </a:ln>
             <a:extLst>
               <a:ext uri="{91240B29-F687-4f45-9708-019B960494DF}">
-                <a14:hiddenLine xmlns:a14="http://schemas.microsoft.com/office/drawing/2010/main" xmlns="" w="9525">
+                <a14:hiddenLine xmlns="" xmlns:a14="http://schemas.microsoft.com/office/drawing/2010/main" w="9525">
                   <a:solidFill>
                     <a:srgbClr val="000000"/>
                   </a:solidFill>
@@ -2879,7 +2879,7 @@
             </a:ln>
             <a:extLst>
               <a:ext uri="{91240B29-F687-4f45-9708-019B960494DF}">
-                <a14:hiddenLine xmlns:a14="http://schemas.microsoft.com/office/drawing/2010/main" xmlns="" w="9525">
+                <a14:hiddenLine xmlns="" xmlns:a14="http://schemas.microsoft.com/office/drawing/2010/main" w="9525">
                   <a:solidFill>
                     <a:srgbClr val="000000"/>
                   </a:solidFill>
@@ -2941,7 +2941,7 @@
             </a:ln>
             <a:extLst>
               <a:ext uri="{91240B29-F687-4f45-9708-019B960494DF}">
-                <a14:hiddenLine xmlns:a14="http://schemas.microsoft.com/office/drawing/2010/main" xmlns="" w="9525">
+                <a14:hiddenLine xmlns="" xmlns:a14="http://schemas.microsoft.com/office/drawing/2010/main" w="9525">
                   <a:solidFill>
                     <a:srgbClr val="000000"/>
                   </a:solidFill>
@@ -3031,7 +3031,7 @@
             </a:ln>
             <a:extLst>
               <a:ext uri="{91240B29-F687-4f45-9708-019B960494DF}">
-                <a14:hiddenLine xmlns:a14="http://schemas.microsoft.com/office/drawing/2010/main" xmlns="" w="9525">
+                <a14:hiddenLine xmlns="" xmlns:a14="http://schemas.microsoft.com/office/drawing/2010/main" w="9525">
                   <a:solidFill>
                     <a:srgbClr val="000000"/>
                   </a:solidFill>
@@ -3093,7 +3093,7 @@
             </a:ln>
             <a:extLst>
               <a:ext uri="{91240B29-F687-4f45-9708-019B960494DF}">
-                <a14:hiddenLine xmlns:a14="http://schemas.microsoft.com/office/drawing/2010/main" xmlns="" w="9525">
+                <a14:hiddenLine xmlns="" xmlns:a14="http://schemas.microsoft.com/office/drawing/2010/main" w="9525">
                   <a:solidFill>
                     <a:srgbClr val="000000"/>
                   </a:solidFill>
@@ -3183,7 +3183,7 @@
             </a:ln>
             <a:extLst>
               <a:ext uri="{91240B29-F687-4f45-9708-019B960494DF}">
-                <a14:hiddenLine xmlns:a14="http://schemas.microsoft.com/office/drawing/2010/main" xmlns="" w="9525">
+                <a14:hiddenLine xmlns="" xmlns:a14="http://schemas.microsoft.com/office/drawing/2010/main" w="9525">
                   <a:solidFill>
                     <a:srgbClr val="000000"/>
                   </a:solidFill>
@@ -3217,7 +3217,7 @@
             </a:ln>
             <a:extLst>
               <a:ext uri="{91240B29-F687-4f45-9708-019B960494DF}">
-                <a14:hiddenLine xmlns:a14="http://schemas.microsoft.com/office/drawing/2010/main" xmlns="" w="9525">
+                <a14:hiddenLine xmlns="" xmlns:a14="http://schemas.microsoft.com/office/drawing/2010/main" w="9525">
                   <a:solidFill>
                     <a:srgbClr val="000000"/>
                   </a:solidFill>
@@ -3282,7 +3282,7 @@
             </a:ln>
             <a:extLst>
               <a:ext uri="{91240B29-F687-4f45-9708-019B960494DF}">
-                <a14:hiddenLine xmlns:a14="http://schemas.microsoft.com/office/drawing/2010/main" xmlns="" w="9525">
+                <a14:hiddenLine xmlns="" xmlns:a14="http://schemas.microsoft.com/office/drawing/2010/main" w="9525">
                   <a:solidFill>
                     <a:srgbClr val="000000"/>
                   </a:solidFill>
@@ -3372,7 +3372,7 @@
             </a:ln>
             <a:extLst>
               <a:ext uri="{91240B29-F687-4f45-9708-019B960494DF}">
-                <a14:hiddenLine xmlns:a14="http://schemas.microsoft.com/office/drawing/2010/main" xmlns="" w="9525">
+                <a14:hiddenLine xmlns="" xmlns:a14="http://schemas.microsoft.com/office/drawing/2010/main" w="9525">
                   <a:solidFill>
                     <a:srgbClr val="000000"/>
                   </a:solidFill>
@@ -3434,7 +3434,7 @@
             </a:ln>
             <a:extLst>
               <a:ext uri="{91240B29-F687-4f45-9708-019B960494DF}">
-                <a14:hiddenLine xmlns:a14="http://schemas.microsoft.com/office/drawing/2010/main" xmlns="" w="9525">
+                <a14:hiddenLine xmlns="" xmlns:a14="http://schemas.microsoft.com/office/drawing/2010/main" w="9525">
                   <a:solidFill>
                     <a:srgbClr val="000000"/>
                   </a:solidFill>
@@ -3524,7 +3524,7 @@
             </a:ln>
             <a:extLst>
               <a:ext uri="{91240B29-F687-4f45-9708-019B960494DF}">
-                <a14:hiddenLine xmlns:a14="http://schemas.microsoft.com/office/drawing/2010/main" xmlns="" w="9525">
+                <a14:hiddenLine xmlns="" xmlns:a14="http://schemas.microsoft.com/office/drawing/2010/main" w="9525">
                   <a:solidFill>
                     <a:srgbClr val="000000"/>
                   </a:solidFill>
@@ -3614,7 +3614,7 @@
             </a:ln>
             <a:extLst>
               <a:ext uri="{91240B29-F687-4f45-9708-019B960494DF}">
-                <a14:hiddenLine xmlns:a14="http://schemas.microsoft.com/office/drawing/2010/main" xmlns="" w="9525">
+                <a14:hiddenLine xmlns="" xmlns:a14="http://schemas.microsoft.com/office/drawing/2010/main" w="9525">
                   <a:solidFill>
                     <a:srgbClr val="000000"/>
                   </a:solidFill>
@@ -3679,7 +3679,7 @@
             </a:ln>
             <a:extLst>
               <a:ext uri="{91240B29-F687-4f45-9708-019B960494DF}">
-                <a14:hiddenLine xmlns:a14="http://schemas.microsoft.com/office/drawing/2010/main" xmlns="" w="9525">
+                <a14:hiddenLine xmlns="" xmlns:a14="http://schemas.microsoft.com/office/drawing/2010/main" w="9525">
                   <a:solidFill>
                     <a:srgbClr val="000000"/>
                   </a:solidFill>
@@ -3741,7 +3741,7 @@
             </a:ln>
             <a:extLst>
               <a:ext uri="{91240B29-F687-4f45-9708-019B960494DF}">
-                <a14:hiddenLine xmlns:a14="http://schemas.microsoft.com/office/drawing/2010/main" xmlns="" w="9525">
+                <a14:hiddenLine xmlns="" xmlns:a14="http://schemas.microsoft.com/office/drawing/2010/main" w="9525">
                   <a:solidFill>
                     <a:srgbClr val="000000"/>
                   </a:solidFill>
@@ -3831,7 +3831,7 @@
             </a:ln>
             <a:extLst>
               <a:ext uri="{91240B29-F687-4f45-9708-019B960494DF}">
-                <a14:hiddenLine xmlns:a14="http://schemas.microsoft.com/office/drawing/2010/main" xmlns="" w="9525">
+                <a14:hiddenLine xmlns="" xmlns:a14="http://schemas.microsoft.com/office/drawing/2010/main" w="9525">
                   <a:solidFill>
                     <a:srgbClr val="000000"/>
                   </a:solidFill>
@@ -3921,7 +3921,7 @@
             </a:ln>
             <a:extLst>
               <a:ext uri="{91240B29-F687-4f45-9708-019B960494DF}">
-                <a14:hiddenLine xmlns:a14="http://schemas.microsoft.com/office/drawing/2010/main" xmlns="" w="9525">
+                <a14:hiddenLine xmlns="" xmlns:a14="http://schemas.microsoft.com/office/drawing/2010/main" w="9525">
                   <a:solidFill>
                     <a:srgbClr val="000000"/>
                   </a:solidFill>
@@ -3983,7 +3983,7 @@
             </a:ln>
             <a:extLst>
               <a:ext uri="{91240B29-F687-4f45-9708-019B960494DF}">
-                <a14:hiddenLine xmlns:a14="http://schemas.microsoft.com/office/drawing/2010/main" xmlns="" w="9525">
+                <a14:hiddenLine xmlns="" xmlns:a14="http://schemas.microsoft.com/office/drawing/2010/main" w="9525">
                   <a:solidFill>
                     <a:srgbClr val="000000"/>
                   </a:solidFill>
@@ -4103,7 +4103,7 @@
             </a:ln>
             <a:extLst>
               <a:ext uri="{91240B29-F687-4f45-9708-019B960494DF}">
-                <a14:hiddenLine xmlns:a14="http://schemas.microsoft.com/office/drawing/2010/main" xmlns="" w="9525">
+                <a14:hiddenLine xmlns="" xmlns:a14="http://schemas.microsoft.com/office/drawing/2010/main" w="9525">
                   <a:solidFill>
                     <a:srgbClr val="000000"/>
                   </a:solidFill>
@@ -4171,7 +4171,7 @@
             </a:ln>
             <a:extLst>
               <a:ext uri="{91240B29-F687-4f45-9708-019B960494DF}">
-                <a14:hiddenLine xmlns:a14="http://schemas.microsoft.com/office/drawing/2010/main" xmlns="" w="9525">
+                <a14:hiddenLine xmlns="" xmlns:a14="http://schemas.microsoft.com/office/drawing/2010/main" w="9525">
                   <a:solidFill>
                     <a:srgbClr val="000000"/>
                   </a:solidFill>
@@ -4261,7 +4261,7 @@
             </a:ln>
             <a:extLst>
               <a:ext uri="{91240B29-F687-4f45-9708-019B960494DF}">
-                <a14:hiddenLine xmlns:a14="http://schemas.microsoft.com/office/drawing/2010/main" xmlns="" w="9525">
+                <a14:hiddenLine xmlns="" xmlns:a14="http://schemas.microsoft.com/office/drawing/2010/main" w="9525">
                   <a:solidFill>
                     <a:srgbClr val="000000"/>
                   </a:solidFill>
@@ -4401,7 +4401,7 @@
           <a:p>
             <a:fld id="{48A87A34-81AB-432B-8DAE-1953F412C126}" type="datetimeFigureOut">
               <a:rPr lang="en-US" dirty="0"/>
-              <a:t>11/29/2016</a:t>
+              <a:t>12/4/2016</a:t>
             </a:fld>
             <a:endParaRPr lang="en-US" dirty="0"/>
           </a:p>
@@ -4663,7 +4663,7 @@
           <a:p>
             <a:fld id="{48A87A34-81AB-432B-8DAE-1953F412C126}" type="datetimeFigureOut">
               <a:rPr lang="en-US" dirty="0"/>
-              <a:t>11/29/2016</a:t>
+              <a:t>12/4/2016</a:t>
             </a:fld>
             <a:endParaRPr lang="en-US" dirty="0"/>
           </a:p>
@@ -4854,7 +4854,7 @@
           <a:p>
             <a:fld id="{48A87A34-81AB-432B-8DAE-1953F412C126}" type="datetimeFigureOut">
               <a:rPr lang="en-US" dirty="0"/>
-              <a:t>11/29/2016</a:t>
+              <a:t>12/4/2016</a:t>
             </a:fld>
             <a:endParaRPr lang="en-US" dirty="0"/>
           </a:p>
@@ -5112,7 +5112,7 @@
           <a:p>
             <a:fld id="{48A87A34-81AB-432B-8DAE-1953F412C126}" type="datetimeFigureOut">
               <a:rPr lang="en-US" dirty="0"/>
-              <a:t>11/29/2016</a:t>
+              <a:t>12/4/2016</a:t>
             </a:fld>
             <a:endParaRPr lang="en-US" dirty="0"/>
           </a:p>
@@ -5541,7 +5541,7 @@
           <a:p>
             <a:fld id="{48A87A34-81AB-432B-8DAE-1953F412C126}" type="datetimeFigureOut">
               <a:rPr lang="en-US" dirty="0"/>
-              <a:t>11/29/2016</a:t>
+              <a:t>12/4/2016</a:t>
             </a:fld>
             <a:endParaRPr lang="en-US" dirty="0"/>
           </a:p>
@@ -6082,7 +6082,7 @@
           <a:p>
             <a:fld id="{48A87A34-81AB-432B-8DAE-1953F412C126}" type="datetimeFigureOut">
               <a:rPr lang="en-US" dirty="0"/>
-              <a:t>11/29/2016</a:t>
+              <a:t>12/4/2016</a:t>
             </a:fld>
             <a:endParaRPr lang="en-US" dirty="0"/>
           </a:p>
@@ -6797,7 +6797,7 @@
           <a:p>
             <a:fld id="{48A87A34-81AB-432B-8DAE-1953F412C126}" type="datetimeFigureOut">
               <a:rPr lang="en-US" dirty="0"/>
-              <a:t>11/29/2016</a:t>
+              <a:t>12/4/2016</a:t>
             </a:fld>
             <a:endParaRPr lang="en-US" dirty="0"/>
           </a:p>
@@ -6962,7 +6962,7 @@
           <a:p>
             <a:fld id="{48A87A34-81AB-432B-8DAE-1953F412C126}" type="datetimeFigureOut">
               <a:rPr lang="en-US" dirty="0"/>
-              <a:t>11/29/2016</a:t>
+              <a:t>12/4/2016</a:t>
             </a:fld>
             <a:endParaRPr lang="en-US" dirty="0"/>
           </a:p>
@@ -7137,7 +7137,7 @@
           <a:p>
             <a:fld id="{48A87A34-81AB-432B-8DAE-1953F412C126}" type="datetimeFigureOut">
               <a:rPr lang="en-US" dirty="0"/>
-              <a:t>11/29/2016</a:t>
+              <a:t>12/4/2016</a:t>
             </a:fld>
             <a:endParaRPr lang="en-US" dirty="0"/>
           </a:p>
@@ -7302,7 +7302,7 @@
           <a:p>
             <a:fld id="{48A87A34-81AB-432B-8DAE-1953F412C126}" type="datetimeFigureOut">
               <a:rPr lang="en-US" dirty="0"/>
-              <a:t>11/29/2016</a:t>
+              <a:t>12/4/2016</a:t>
             </a:fld>
             <a:endParaRPr lang="en-US" dirty="0"/>
           </a:p>
@@ -7547,7 +7547,7 @@
           <a:p>
             <a:fld id="{48A87A34-81AB-432B-8DAE-1953F412C126}" type="datetimeFigureOut">
               <a:rPr lang="en-US" dirty="0"/>
-              <a:t>11/29/2016</a:t>
+              <a:t>12/4/2016</a:t>
             </a:fld>
             <a:endParaRPr lang="en-US" dirty="0"/>
           </a:p>
@@ -7774,7 +7774,7 @@
           <a:p>
             <a:fld id="{48A87A34-81AB-432B-8DAE-1953F412C126}" type="datetimeFigureOut">
               <a:rPr lang="en-US" dirty="0"/>
-              <a:t>11/29/2016</a:t>
+              <a:t>12/4/2016</a:t>
             </a:fld>
             <a:endParaRPr lang="en-US" dirty="0"/>
           </a:p>
@@ -8150,7 +8150,7 @@
           <a:p>
             <a:fld id="{48A87A34-81AB-432B-8DAE-1953F412C126}" type="datetimeFigureOut">
               <a:rPr lang="en-US" dirty="0"/>
-              <a:t>11/29/2016</a:t>
+              <a:t>12/4/2016</a:t>
             </a:fld>
             <a:endParaRPr lang="en-US" dirty="0"/>
           </a:p>
@@ -8263,7 +8263,7 @@
           <a:p>
             <a:fld id="{48A87A34-81AB-432B-8DAE-1953F412C126}" type="datetimeFigureOut">
               <a:rPr lang="en-US" dirty="0"/>
-              <a:t>11/29/2016</a:t>
+              <a:t>12/4/2016</a:t>
             </a:fld>
             <a:endParaRPr lang="en-US" dirty="0"/>
           </a:p>
@@ -8353,7 +8353,7 @@
           <a:p>
             <a:fld id="{48A87A34-81AB-432B-8DAE-1953F412C126}" type="datetimeFigureOut">
               <a:rPr lang="en-US" dirty="0"/>
-              <a:t>11/29/2016</a:t>
+              <a:t>12/4/2016</a:t>
             </a:fld>
             <a:endParaRPr lang="en-US" dirty="0"/>
           </a:p>
@@ -8597,7 +8597,7 @@
           <a:p>
             <a:fld id="{48A87A34-81AB-432B-8DAE-1953F412C126}" type="datetimeFigureOut">
               <a:rPr lang="en-US" dirty="0"/>
-              <a:t>11/29/2016</a:t>
+              <a:t>12/4/2016</a:t>
             </a:fld>
             <a:endParaRPr lang="en-US" dirty="0"/>
           </a:p>
@@ -8872,7 +8872,7 @@
           <a:p>
             <a:fld id="{48A87A34-81AB-432B-8DAE-1953F412C126}" type="datetimeFigureOut">
               <a:rPr lang="en-US" dirty="0"/>
-              <a:t>11/29/2016</a:t>
+              <a:t>12/4/2016</a:t>
             </a:fld>
             <a:endParaRPr lang="en-US" dirty="0"/>
           </a:p>
@@ -8990,7 +8990,7 @@
           <a:noFill/>
           <a:extLst>
             <a:ext uri="{909E8E84-426E-40dd-AFC4-6F175D3DCCD1}">
-              <a14:hiddenFill xmlns:a14="http://schemas.microsoft.com/office/drawing/2010/main" xmlns="">
+              <a14:hiddenFill xmlns="" xmlns:a14="http://schemas.microsoft.com/office/drawing/2010/main">
                 <a:solidFill>
                   <a:srgbClr val="FFFFFF"/>
                 </a:solidFill>
@@ -9064,7 +9064,7 @@
               </a:ln>
               <a:extLst>
                 <a:ext uri="{91240B29-F687-4f45-9708-019B960494DF}">
-                  <a14:hiddenLine xmlns:a14="http://schemas.microsoft.com/office/drawing/2010/main" xmlns="" w="9525">
+                  <a14:hiddenLine xmlns="" xmlns:a14="http://schemas.microsoft.com/office/drawing/2010/main" w="9525">
                     <a:solidFill>
                       <a:srgbClr val="000000"/>
                     </a:solidFill>
@@ -9154,7 +9154,7 @@
               </a:ln>
               <a:extLst>
                 <a:ext uri="{91240B29-F687-4f45-9708-019B960494DF}">
-                  <a14:hiddenLine xmlns:a14="http://schemas.microsoft.com/office/drawing/2010/main" xmlns="" w="9525">
+                  <a14:hiddenLine xmlns="" xmlns:a14="http://schemas.microsoft.com/office/drawing/2010/main" w="9525">
                     <a:solidFill>
                       <a:srgbClr val="000000"/>
                     </a:solidFill>
@@ -9244,7 +9244,7 @@
               </a:ln>
               <a:extLst>
                 <a:ext uri="{91240B29-F687-4f45-9708-019B960494DF}">
-                  <a14:hiddenLine xmlns:a14="http://schemas.microsoft.com/office/drawing/2010/main" xmlns="" w="9525">
+                  <a14:hiddenLine xmlns="" xmlns:a14="http://schemas.microsoft.com/office/drawing/2010/main" w="9525">
                     <a:solidFill>
                       <a:srgbClr val="000000"/>
                     </a:solidFill>
@@ -9306,7 +9306,7 @@
               </a:ln>
               <a:extLst>
                 <a:ext uri="{91240B29-F687-4f45-9708-019B960494DF}">
-                  <a14:hiddenLine xmlns:a14="http://schemas.microsoft.com/office/drawing/2010/main" xmlns="" w="9525">
+                  <a14:hiddenLine xmlns="" xmlns:a14="http://schemas.microsoft.com/office/drawing/2010/main" w="9525">
                     <a:solidFill>
                       <a:srgbClr val="000000"/>
                     </a:solidFill>
@@ -9396,7 +9396,7 @@
               </a:ln>
               <a:extLst>
                 <a:ext uri="{91240B29-F687-4f45-9708-019B960494DF}">
-                  <a14:hiddenLine xmlns:a14="http://schemas.microsoft.com/office/drawing/2010/main" xmlns="" w="9525">
+                  <a14:hiddenLine xmlns="" xmlns:a14="http://schemas.microsoft.com/office/drawing/2010/main" w="9525">
                     <a:solidFill>
                       <a:srgbClr val="000000"/>
                     </a:solidFill>
@@ -9458,7 +9458,7 @@
               </a:ln>
               <a:extLst>
                 <a:ext uri="{91240B29-F687-4f45-9708-019B960494DF}">
-                  <a14:hiddenLine xmlns:a14="http://schemas.microsoft.com/office/drawing/2010/main" xmlns="" w="9525">
+                  <a14:hiddenLine xmlns="" xmlns:a14="http://schemas.microsoft.com/office/drawing/2010/main" w="9525">
                     <a:solidFill>
                       <a:srgbClr val="000000"/>
                     </a:solidFill>
@@ -9520,7 +9520,7 @@
               </a:ln>
               <a:extLst>
                 <a:ext uri="{91240B29-F687-4f45-9708-019B960494DF}">
-                  <a14:hiddenLine xmlns:a14="http://schemas.microsoft.com/office/drawing/2010/main" xmlns="" w="9525">
+                  <a14:hiddenLine xmlns="" xmlns:a14="http://schemas.microsoft.com/office/drawing/2010/main" w="9525">
                     <a:solidFill>
                       <a:srgbClr val="000000"/>
                     </a:solidFill>
@@ -9610,7 +9610,7 @@
               </a:ln>
               <a:extLst>
                 <a:ext uri="{91240B29-F687-4f45-9708-019B960494DF}">
-                  <a14:hiddenLine xmlns:a14="http://schemas.microsoft.com/office/drawing/2010/main" xmlns="" w="9525">
+                  <a14:hiddenLine xmlns="" xmlns:a14="http://schemas.microsoft.com/office/drawing/2010/main" w="9525">
                     <a:solidFill>
                       <a:srgbClr val="000000"/>
                     </a:solidFill>
@@ -9700,7 +9700,7 @@
               </a:ln>
               <a:extLst>
                 <a:ext uri="{91240B29-F687-4f45-9708-019B960494DF}">
-                  <a14:hiddenLine xmlns:a14="http://schemas.microsoft.com/office/drawing/2010/main" xmlns="" w="9525">
+                  <a14:hiddenLine xmlns="" xmlns:a14="http://schemas.microsoft.com/office/drawing/2010/main" w="9525">
                     <a:solidFill>
                       <a:srgbClr val="000000"/>
                     </a:solidFill>
@@ -9762,7 +9762,7 @@
               </a:ln>
               <a:extLst>
                 <a:ext uri="{91240B29-F687-4f45-9708-019B960494DF}">
-                  <a14:hiddenLine xmlns:a14="http://schemas.microsoft.com/office/drawing/2010/main" xmlns="" w="9525">
+                  <a14:hiddenLine xmlns="" xmlns:a14="http://schemas.microsoft.com/office/drawing/2010/main" w="9525">
                     <a:solidFill>
                       <a:srgbClr val="000000"/>
                     </a:solidFill>
@@ -9872,7 +9872,7 @@
               </a:ln>
               <a:extLst>
                 <a:ext uri="{91240B29-F687-4f45-9708-019B960494DF}">
-                  <a14:hiddenLine xmlns:a14="http://schemas.microsoft.com/office/drawing/2010/main" xmlns="" w="9525">
+                  <a14:hiddenLine xmlns="" xmlns:a14="http://schemas.microsoft.com/office/drawing/2010/main" w="9525">
                     <a:solidFill>
                       <a:srgbClr val="000000"/>
                     </a:solidFill>
@@ -9956,7 +9956,7 @@
               </a:ln>
               <a:extLst>
                 <a:ext uri="{91240B29-F687-4f45-9708-019B960494DF}">
-                  <a14:hiddenLine xmlns:a14="http://schemas.microsoft.com/office/drawing/2010/main" xmlns="" w="9525">
+                  <a14:hiddenLine xmlns="" xmlns:a14="http://schemas.microsoft.com/office/drawing/2010/main" w="9525">
                     <a:solidFill>
                       <a:srgbClr val="000000"/>
                     </a:solidFill>
@@ -10018,7 +10018,7 @@
               </a:ln>
               <a:extLst>
                 <a:ext uri="{91240B29-F687-4f45-9708-019B960494DF}">
-                  <a14:hiddenLine xmlns:a14="http://schemas.microsoft.com/office/drawing/2010/main" xmlns="" w="9525">
+                  <a14:hiddenLine xmlns="" xmlns:a14="http://schemas.microsoft.com/office/drawing/2010/main" w="9525">
                     <a:solidFill>
                       <a:srgbClr val="000000"/>
                     </a:solidFill>
@@ -10080,7 +10080,7 @@
               </a:ln>
               <a:extLst>
                 <a:ext uri="{91240B29-F687-4f45-9708-019B960494DF}">
-                  <a14:hiddenLine xmlns:a14="http://schemas.microsoft.com/office/drawing/2010/main" xmlns="" w="9525">
+                  <a14:hiddenLine xmlns="" xmlns:a14="http://schemas.microsoft.com/office/drawing/2010/main" w="9525">
                     <a:solidFill>
                       <a:srgbClr val="000000"/>
                     </a:solidFill>
@@ -10170,7 +10170,7 @@
               </a:ln>
               <a:extLst>
                 <a:ext uri="{91240B29-F687-4f45-9708-019B960494DF}">
-                  <a14:hiddenLine xmlns:a14="http://schemas.microsoft.com/office/drawing/2010/main" xmlns="" w="9525">
+                  <a14:hiddenLine xmlns="" xmlns:a14="http://schemas.microsoft.com/office/drawing/2010/main" w="9525">
                     <a:solidFill>
                       <a:srgbClr val="000000"/>
                     </a:solidFill>
@@ -10204,7 +10204,7 @@
               </a:ln>
               <a:extLst>
                 <a:ext uri="{91240B29-F687-4f45-9708-019B960494DF}">
-                  <a14:hiddenLine xmlns:a14="http://schemas.microsoft.com/office/drawing/2010/main" xmlns="" w="9525">
+                  <a14:hiddenLine xmlns="" xmlns:a14="http://schemas.microsoft.com/office/drawing/2010/main" w="9525">
                     <a:solidFill>
                       <a:srgbClr val="000000"/>
                     </a:solidFill>
@@ -10269,7 +10269,7 @@
               </a:ln>
               <a:extLst>
                 <a:ext uri="{91240B29-F687-4f45-9708-019B960494DF}">
-                  <a14:hiddenLine xmlns:a14="http://schemas.microsoft.com/office/drawing/2010/main" xmlns="" w="9525">
+                  <a14:hiddenLine xmlns="" xmlns:a14="http://schemas.microsoft.com/office/drawing/2010/main" w="9525">
                     <a:solidFill>
                       <a:srgbClr val="000000"/>
                     </a:solidFill>
@@ -10359,7 +10359,7 @@
               </a:ln>
               <a:extLst>
                 <a:ext uri="{91240B29-F687-4f45-9708-019B960494DF}">
-                  <a14:hiddenLine xmlns:a14="http://schemas.microsoft.com/office/drawing/2010/main" xmlns="" w="9525">
+                  <a14:hiddenLine xmlns="" xmlns:a14="http://schemas.microsoft.com/office/drawing/2010/main" w="9525">
                     <a:solidFill>
                       <a:srgbClr val="000000"/>
                     </a:solidFill>
@@ -10421,7 +10421,7 @@
               </a:ln>
               <a:extLst>
                 <a:ext uri="{91240B29-F687-4f45-9708-019B960494DF}">
-                  <a14:hiddenLine xmlns:a14="http://schemas.microsoft.com/office/drawing/2010/main" xmlns="" w="9525">
+                  <a14:hiddenLine xmlns="" xmlns:a14="http://schemas.microsoft.com/office/drawing/2010/main" w="9525">
                     <a:solidFill>
                       <a:srgbClr val="000000"/>
                     </a:solidFill>
@@ -10511,7 +10511,7 @@
               </a:ln>
               <a:extLst>
                 <a:ext uri="{91240B29-F687-4f45-9708-019B960494DF}">
-                  <a14:hiddenLine xmlns:a14="http://schemas.microsoft.com/office/drawing/2010/main" xmlns="" w="9525">
+                  <a14:hiddenLine xmlns="" xmlns:a14="http://schemas.microsoft.com/office/drawing/2010/main" w="9525">
                     <a:solidFill>
                       <a:srgbClr val="000000"/>
                     </a:solidFill>
@@ -10576,7 +10576,7 @@
               </a:ln>
               <a:extLst>
                 <a:ext uri="{91240B29-F687-4f45-9708-019B960494DF}">
-                  <a14:hiddenLine xmlns:a14="http://schemas.microsoft.com/office/drawing/2010/main" xmlns="" w="9525">
+                  <a14:hiddenLine xmlns="" xmlns:a14="http://schemas.microsoft.com/office/drawing/2010/main" w="9525">
                     <a:solidFill>
                       <a:srgbClr val="000000"/>
                     </a:solidFill>
@@ -10638,7 +10638,7 @@
               </a:ln>
               <a:extLst>
                 <a:ext uri="{91240B29-F687-4f45-9708-019B960494DF}">
-                  <a14:hiddenLine xmlns:a14="http://schemas.microsoft.com/office/drawing/2010/main" xmlns="" w="9525">
+                  <a14:hiddenLine xmlns="" xmlns:a14="http://schemas.microsoft.com/office/drawing/2010/main" w="9525">
                     <a:solidFill>
                       <a:srgbClr val="000000"/>
                     </a:solidFill>
@@ -10728,7 +10728,7 @@
               </a:ln>
               <a:extLst>
                 <a:ext uri="{91240B29-F687-4f45-9708-019B960494DF}">
-                  <a14:hiddenLine xmlns:a14="http://schemas.microsoft.com/office/drawing/2010/main" xmlns="" w="9525">
+                  <a14:hiddenLine xmlns="" xmlns:a14="http://schemas.microsoft.com/office/drawing/2010/main" w="9525">
                     <a:solidFill>
                       <a:srgbClr val="000000"/>
                     </a:solidFill>
@@ -10818,7 +10818,7 @@
               </a:ln>
               <a:extLst>
                 <a:ext uri="{91240B29-F687-4f45-9708-019B960494DF}">
-                  <a14:hiddenLine xmlns:a14="http://schemas.microsoft.com/office/drawing/2010/main" xmlns="" w="9525">
+                  <a14:hiddenLine xmlns="" xmlns:a14="http://schemas.microsoft.com/office/drawing/2010/main" w="9525">
                     <a:solidFill>
                       <a:srgbClr val="000000"/>
                     </a:solidFill>
@@ -10883,7 +10883,7 @@
               </a:ln>
               <a:extLst>
                 <a:ext uri="{91240B29-F687-4f45-9708-019B960494DF}">
-                  <a14:hiddenLine xmlns:a14="http://schemas.microsoft.com/office/drawing/2010/main" xmlns="" w="9525">
+                  <a14:hiddenLine xmlns="" xmlns:a14="http://schemas.microsoft.com/office/drawing/2010/main" w="9525">
                     <a:solidFill>
                       <a:srgbClr val="000000"/>
                     </a:solidFill>
@@ -11003,7 +11003,7 @@
               </a:ln>
               <a:extLst>
                 <a:ext uri="{91240B29-F687-4f45-9708-019B960494DF}">
-                  <a14:hiddenLine xmlns:a14="http://schemas.microsoft.com/office/drawing/2010/main" xmlns="" w="9525">
+                  <a14:hiddenLine xmlns="" xmlns:a14="http://schemas.microsoft.com/office/drawing/2010/main" w="9525">
                     <a:solidFill>
                       <a:srgbClr val="000000"/>
                     </a:solidFill>
@@ -11101,7 +11101,7 @@
               </a:ln>
               <a:extLst>
                 <a:ext uri="{91240B29-F687-4f45-9708-019B960494DF}">
-                  <a14:hiddenLine xmlns:a14="http://schemas.microsoft.com/office/drawing/2010/main" xmlns="" w="9525">
+                  <a14:hiddenLine xmlns="" xmlns:a14="http://schemas.microsoft.com/office/drawing/2010/main" w="9525">
                     <a:solidFill>
                       <a:srgbClr val="000000"/>
                     </a:solidFill>
@@ -11216,7 +11216,7 @@
               </a:ln>
               <a:extLst>
                 <a:ext uri="{91240B29-F687-4f45-9708-019B960494DF}">
-                  <a14:hiddenLine xmlns:a14="http://schemas.microsoft.com/office/drawing/2010/main" xmlns="" w="9525">
+                  <a14:hiddenLine xmlns="" xmlns:a14="http://schemas.microsoft.com/office/drawing/2010/main" w="9525">
                     <a:solidFill>
                       <a:srgbClr val="000000"/>
                     </a:solidFill>
@@ -11306,7 +11306,7 @@
               </a:ln>
               <a:extLst>
                 <a:ext uri="{91240B29-F687-4f45-9708-019B960494DF}">
-                  <a14:hiddenLine xmlns:a14="http://schemas.microsoft.com/office/drawing/2010/main" xmlns="" w="9525">
+                  <a14:hiddenLine xmlns="" xmlns:a14="http://schemas.microsoft.com/office/drawing/2010/main" w="9525">
                     <a:solidFill>
                       <a:srgbClr val="000000"/>
                     </a:solidFill>
@@ -11371,7 +11371,7 @@
               </a:ln>
               <a:extLst>
                 <a:ext uri="{91240B29-F687-4f45-9708-019B960494DF}">
-                  <a14:hiddenLine xmlns:a14="http://schemas.microsoft.com/office/drawing/2010/main" xmlns="" w="9525">
+                  <a14:hiddenLine xmlns="" xmlns:a14="http://schemas.microsoft.com/office/drawing/2010/main" w="9525">
                     <a:solidFill>
                       <a:srgbClr val="000000"/>
                     </a:solidFill>
@@ -11461,7 +11461,7 @@
               </a:ln>
               <a:extLst>
                 <a:ext uri="{91240B29-F687-4f45-9708-019B960494DF}">
-                  <a14:hiddenLine xmlns:a14="http://schemas.microsoft.com/office/drawing/2010/main" xmlns="" w="9525">
+                  <a14:hiddenLine xmlns="" xmlns:a14="http://schemas.microsoft.com/office/drawing/2010/main" w="9525">
                     <a:solidFill>
                       <a:srgbClr val="000000"/>
                     </a:solidFill>
@@ -11529,7 +11529,7 @@
               </a:ln>
               <a:extLst>
                 <a:ext uri="{91240B29-F687-4f45-9708-019B960494DF}">
-                  <a14:hiddenLine xmlns:a14="http://schemas.microsoft.com/office/drawing/2010/main" xmlns="" w="9525">
+                  <a14:hiddenLine xmlns="" xmlns:a14="http://schemas.microsoft.com/office/drawing/2010/main" w="9525">
                     <a:solidFill>
                       <a:srgbClr val="000000"/>
                     </a:solidFill>
@@ -11619,7 +11619,7 @@
               </a:ln>
               <a:extLst>
                 <a:ext uri="{91240B29-F687-4f45-9708-019B960494DF}">
-                  <a14:hiddenLine xmlns:a14="http://schemas.microsoft.com/office/drawing/2010/main" xmlns="" w="9525">
+                  <a14:hiddenLine xmlns="" xmlns:a14="http://schemas.microsoft.com/office/drawing/2010/main" w="9525">
                     <a:solidFill>
                       <a:srgbClr val="000000"/>
                     </a:solidFill>
@@ -11687,7 +11687,7 @@
               </a:ln>
               <a:extLst>
                 <a:ext uri="{91240B29-F687-4f45-9708-019B960494DF}">
-                  <a14:hiddenLine xmlns:a14="http://schemas.microsoft.com/office/drawing/2010/main" xmlns="" w="9525">
+                  <a14:hiddenLine xmlns="" xmlns:a14="http://schemas.microsoft.com/office/drawing/2010/main" w="9525">
                     <a:solidFill>
                       <a:srgbClr val="000000"/>
                     </a:solidFill>
@@ -11777,7 +11777,7 @@
               </a:ln>
               <a:extLst>
                 <a:ext uri="{91240B29-F687-4f45-9708-019B960494DF}">
-                  <a14:hiddenLine xmlns:a14="http://schemas.microsoft.com/office/drawing/2010/main" xmlns="" w="9525">
+                  <a14:hiddenLine xmlns="" xmlns:a14="http://schemas.microsoft.com/office/drawing/2010/main" w="9525">
                     <a:solidFill>
                       <a:srgbClr val="000000"/>
                     </a:solidFill>
@@ -11811,7 +11811,7 @@
               </a:ln>
               <a:extLst>
                 <a:ext uri="{91240B29-F687-4f45-9708-019B960494DF}">
-                  <a14:hiddenLine xmlns:a14="http://schemas.microsoft.com/office/drawing/2010/main" xmlns="" w="9525">
+                  <a14:hiddenLine xmlns="" xmlns:a14="http://schemas.microsoft.com/office/drawing/2010/main" w="9525">
                     <a:solidFill>
                       <a:srgbClr val="000000"/>
                     </a:solidFill>
@@ -11952,7 +11952,7 @@
             <a:fld id="{48A87A34-81AB-432B-8DAE-1953F412C126}" type="datetimeFigureOut">
               <a:rPr lang="en-US" dirty="0"/>
               <a:pPr/>
-              <a:t>11/29/2016</a:t>
+              <a:t>12/4/2016</a:t>
             </a:fld>
             <a:endParaRPr lang="en-US" dirty="0"/>
           </a:p>
@@ -12602,7 +12602,7 @@
             </a:pPr>
             <a:r>
               <a:rPr lang="en-CA" dirty="0"/>
-              <a:t>The purpose of our project is to create a quick and efficient way to take out items from the parts</a:t>
+              <a:t>The purpose of our project is to create a quick and efficient way to take out items from the parts and store them in database</a:t>
             </a:r>
           </a:p>
           <a:p>
@@ -13569,7 +13569,7 @@
         </p:nvSpPr>
         <p:spPr>
           <a:xfrm>
-            <a:off x="1141412" y="4253947"/>
+            <a:off x="5835994" y="4293703"/>
             <a:ext cx="5554249" cy="1699661"/>
           </a:xfrm>
           <a:prstGeom prst="rect">
@@ -14058,6 +14058,256 @@
             <a:r>
               <a:rPr lang="en-CA" dirty="0"/>
               <a:t>Tech 151: PC Hardware and Operating Systems</a:t>
+            </a:r>
+          </a:p>
+          <a:p>
+            <a:endParaRPr lang="en-CA" dirty="0"/>
+          </a:p>
+        </p:txBody>
+      </p:sp>
+      <p:sp>
+        <p:nvSpPr>
+          <p:cNvPr id="6" name="Content Placeholder 2"/>
+          <p:cNvSpPr txBox="1">
+            <a:spLocks/>
+          </p:cNvSpPr>
+          <p:nvPr/>
+        </p:nvSpPr>
+        <p:spPr>
+          <a:xfrm>
+            <a:off x="1018829" y="4293703"/>
+            <a:ext cx="4666354" cy="1699661"/>
+          </a:xfrm>
+          <a:prstGeom prst="rect">
+            <a:avLst/>
+          </a:prstGeom>
+        </p:spPr>
+        <p:txBody>
+          <a:bodyPr vert="horz" lIns="91440" tIns="45720" rIns="91440" bIns="45720" rtlCol="0">
+            <a:normAutofit/>
+          </a:bodyPr>
+          <a:lstStyle>
+            <a:lvl1pPr marL="228600" indent="-228600" algn="l" defTabSz="914400" rtl="0" eaLnBrk="1" latinLnBrk="0" hangingPunct="1">
+              <a:lnSpc>
+                <a:spcPct val="120000"/>
+              </a:lnSpc>
+              <a:spcBef>
+                <a:spcPts val="1000"/>
+              </a:spcBef>
+              <a:buSzPct val="125000"/>
+              <a:buFont typeface="Arial" panose="020B0604020202020204" pitchFamily="34" charset="0"/>
+              <a:buChar char="•"/>
+              <a:defRPr sz="2400" kern="1200">
+                <a:solidFill>
+                  <a:schemeClr val="tx1"/>
+                </a:solidFill>
+                <a:effectLst>
+                  <a:outerShdw blurRad="152400" dist="38100" dir="2700000" algn="tl">
+                    <a:srgbClr val="000000">
+                      <a:alpha val="36000"/>
+                    </a:srgbClr>
+                  </a:outerShdw>
+                </a:effectLst>
+                <a:latin typeface="+mn-lt"/>
+                <a:ea typeface="+mn-ea"/>
+                <a:cs typeface="+mn-cs"/>
+              </a:defRPr>
+            </a:lvl1pPr>
+            <a:lvl2pPr marL="685800" indent="-228600" algn="l" defTabSz="914400" rtl="0" eaLnBrk="1" latinLnBrk="0" hangingPunct="1">
+              <a:lnSpc>
+                <a:spcPct val="120000"/>
+              </a:lnSpc>
+              <a:spcBef>
+                <a:spcPts val="500"/>
+              </a:spcBef>
+              <a:buSzPct val="125000"/>
+              <a:buFont typeface="Arial" panose="020B0604020202020204" pitchFamily="34" charset="0"/>
+              <a:buChar char="•"/>
+              <a:defRPr sz="2000" kern="1200">
+                <a:solidFill>
+                  <a:schemeClr val="tx1"/>
+                </a:solidFill>
+                <a:effectLst>
+                  <a:outerShdw blurRad="152400" dist="38100" dir="2700000" algn="tl">
+                    <a:srgbClr val="000000">
+                      <a:alpha val="36000"/>
+                    </a:srgbClr>
+                  </a:outerShdw>
+                </a:effectLst>
+                <a:latin typeface="+mn-lt"/>
+                <a:ea typeface="+mn-ea"/>
+                <a:cs typeface="+mn-cs"/>
+              </a:defRPr>
+            </a:lvl2pPr>
+            <a:lvl3pPr marL="1143000" indent="-228600" algn="l" defTabSz="914400" rtl="0" eaLnBrk="1" latinLnBrk="0" hangingPunct="1">
+              <a:lnSpc>
+                <a:spcPct val="120000"/>
+              </a:lnSpc>
+              <a:spcBef>
+                <a:spcPts val="500"/>
+              </a:spcBef>
+              <a:buSzPct val="125000"/>
+              <a:buFont typeface="Arial" panose="020B0604020202020204" pitchFamily="34" charset="0"/>
+              <a:buChar char="•"/>
+              <a:defRPr sz="1800" kern="1200">
+                <a:solidFill>
+                  <a:schemeClr val="tx1"/>
+                </a:solidFill>
+                <a:effectLst>
+                  <a:outerShdw blurRad="152400" dist="38100" dir="2700000" algn="tl">
+                    <a:srgbClr val="000000">
+                      <a:alpha val="36000"/>
+                    </a:srgbClr>
+                  </a:outerShdw>
+                </a:effectLst>
+                <a:latin typeface="+mn-lt"/>
+                <a:ea typeface="+mn-ea"/>
+                <a:cs typeface="+mn-cs"/>
+              </a:defRPr>
+            </a:lvl3pPr>
+            <a:lvl4pPr marL="1600200" indent="-228600" algn="l" defTabSz="914400" rtl="0" eaLnBrk="1" latinLnBrk="0" hangingPunct="1">
+              <a:lnSpc>
+                <a:spcPct val="120000"/>
+              </a:lnSpc>
+              <a:spcBef>
+                <a:spcPts val="500"/>
+              </a:spcBef>
+              <a:buSzPct val="125000"/>
+              <a:buFont typeface="Arial" panose="020B0604020202020204" pitchFamily="34" charset="0"/>
+              <a:buChar char="•"/>
+              <a:defRPr sz="1600" kern="1200">
+                <a:solidFill>
+                  <a:schemeClr val="tx1"/>
+                </a:solidFill>
+                <a:effectLst>
+                  <a:outerShdw blurRad="152400" dist="38100" dir="2700000" algn="tl">
+                    <a:srgbClr val="000000">
+                      <a:alpha val="36000"/>
+                    </a:srgbClr>
+                  </a:outerShdw>
+                </a:effectLst>
+                <a:latin typeface="+mn-lt"/>
+                <a:ea typeface="+mn-ea"/>
+                <a:cs typeface="+mn-cs"/>
+              </a:defRPr>
+            </a:lvl4pPr>
+            <a:lvl5pPr marL="2057400" indent="-228600" algn="l" defTabSz="914400" rtl="0" eaLnBrk="1" latinLnBrk="0" hangingPunct="1">
+              <a:lnSpc>
+                <a:spcPct val="120000"/>
+              </a:lnSpc>
+              <a:spcBef>
+                <a:spcPts val="500"/>
+              </a:spcBef>
+              <a:buSzPct val="125000"/>
+              <a:buFont typeface="Arial" panose="020B0604020202020204" pitchFamily="34" charset="0"/>
+              <a:buChar char="•"/>
+              <a:defRPr sz="1600" kern="1200">
+                <a:solidFill>
+                  <a:schemeClr val="tx1"/>
+                </a:solidFill>
+                <a:effectLst>
+                  <a:outerShdw blurRad="152400" dist="38100" dir="2700000" algn="tl">
+                    <a:srgbClr val="000000">
+                      <a:alpha val="36000"/>
+                    </a:srgbClr>
+                  </a:outerShdw>
+                </a:effectLst>
+                <a:latin typeface="+mn-lt"/>
+                <a:ea typeface="+mn-ea"/>
+                <a:cs typeface="+mn-cs"/>
+              </a:defRPr>
+            </a:lvl5pPr>
+            <a:lvl6pPr marL="2514600" indent="-228600" algn="l" defTabSz="914400" rtl="0" eaLnBrk="1" latinLnBrk="0" hangingPunct="1">
+              <a:lnSpc>
+                <a:spcPct val="120000"/>
+              </a:lnSpc>
+              <a:spcBef>
+                <a:spcPts val="500"/>
+              </a:spcBef>
+              <a:buSzPct val="125000"/>
+              <a:buFont typeface="Arial" panose="020B0604020202020204" pitchFamily="34" charset="0"/>
+              <a:buChar char="•"/>
+              <a:defRPr sz="1400" kern="1200">
+                <a:solidFill>
+                  <a:schemeClr val="tx1"/>
+                </a:solidFill>
+                <a:latin typeface="+mn-lt"/>
+                <a:ea typeface="+mn-ea"/>
+                <a:cs typeface="+mn-cs"/>
+              </a:defRPr>
+            </a:lvl6pPr>
+            <a:lvl7pPr marL="2971800" indent="-228600" algn="l" defTabSz="914400" rtl="0" eaLnBrk="1" latinLnBrk="0" hangingPunct="1">
+              <a:lnSpc>
+                <a:spcPct val="120000"/>
+              </a:lnSpc>
+              <a:spcBef>
+                <a:spcPts val="500"/>
+              </a:spcBef>
+              <a:buSzPct val="125000"/>
+              <a:buFont typeface="Arial" panose="020B0604020202020204" pitchFamily="34" charset="0"/>
+              <a:buChar char="•"/>
+              <a:defRPr sz="1400" kern="1200">
+                <a:solidFill>
+                  <a:schemeClr val="tx1"/>
+                </a:solidFill>
+                <a:latin typeface="+mn-lt"/>
+                <a:ea typeface="+mn-ea"/>
+                <a:cs typeface="+mn-cs"/>
+              </a:defRPr>
+            </a:lvl7pPr>
+            <a:lvl8pPr marL="3429000" indent="-228600" algn="l" defTabSz="914400" rtl="0" eaLnBrk="1" latinLnBrk="0" hangingPunct="1">
+              <a:lnSpc>
+                <a:spcPct val="120000"/>
+              </a:lnSpc>
+              <a:spcBef>
+                <a:spcPts val="500"/>
+              </a:spcBef>
+              <a:buSzPct val="125000"/>
+              <a:buFont typeface="Arial" panose="020B0604020202020204" pitchFamily="34" charset="0"/>
+              <a:buChar char="•"/>
+              <a:defRPr sz="1400" kern="1200">
+                <a:solidFill>
+                  <a:schemeClr val="tx1"/>
+                </a:solidFill>
+                <a:latin typeface="+mn-lt"/>
+                <a:ea typeface="+mn-ea"/>
+                <a:cs typeface="+mn-cs"/>
+              </a:defRPr>
+            </a:lvl8pPr>
+            <a:lvl9pPr marL="3886200" indent="-228600" algn="l" defTabSz="914400" rtl="0" eaLnBrk="1" latinLnBrk="0" hangingPunct="1">
+              <a:lnSpc>
+                <a:spcPct val="120000"/>
+              </a:lnSpc>
+              <a:spcBef>
+                <a:spcPts val="500"/>
+              </a:spcBef>
+              <a:buSzPct val="125000"/>
+              <a:buFont typeface="Arial" panose="020B0604020202020204" pitchFamily="34" charset="0"/>
+              <a:buChar char="•"/>
+              <a:defRPr sz="1400" kern="1200">
+                <a:solidFill>
+                  <a:schemeClr val="tx1"/>
+                </a:solidFill>
+                <a:latin typeface="+mn-lt"/>
+                <a:ea typeface="+mn-ea"/>
+                <a:cs typeface="+mn-cs"/>
+              </a:defRPr>
+            </a:lvl9pPr>
+          </a:lstStyle>
+          <a:p>
+            <a:pPr marL="0" indent="0">
+              <a:buFont typeface="Arial" panose="020B0604020202020204" pitchFamily="34" charset="0"/>
+              <a:buNone/>
+            </a:pPr>
+            <a:r>
+              <a:rPr lang="en-CA" u="sng" dirty="0"/>
+              <a:t>Semester 3</a:t>
+            </a:r>
+          </a:p>
+          <a:p>
+            <a:r>
+              <a:rPr lang="en-CA" dirty="0"/>
+              <a:t>CENG 212: Programming Techniques in Java</a:t>
             </a:r>
           </a:p>
           <a:p>

--- a/Documents/Ceng 317 Powerpoint Presentation.pptx
+++ b/Documents/Ceng 317 Powerpoint Presentation.pptx
@@ -175,7 +175,7 @@
           <a:noFill/>
           <a:extLst>
             <a:ext uri="{909E8E84-426E-40dd-AFC4-6F175D3DCCD1}">
-              <a14:hiddenFill xmlns="" xmlns:a14="http://schemas.microsoft.com/office/drawing/2010/main">
+              <a14:hiddenFill xmlns:a14="http://schemas.microsoft.com/office/drawing/2010/main" xmlns="">
                 <a:solidFill>
                   <a:srgbClr val="FFFFFF"/>
                 </a:solidFill>
@@ -235,7 +235,7 @@
             </a:ln>
             <a:extLst>
               <a:ext uri="{91240B29-F687-4f45-9708-019B960494DF}">
-                <a14:hiddenLine xmlns="" xmlns:a14="http://schemas.microsoft.com/office/drawing/2010/main" w="9525">
+                <a14:hiddenLine xmlns:a14="http://schemas.microsoft.com/office/drawing/2010/main" xmlns="" w="9525">
                   <a:solidFill>
                     <a:srgbClr val="000000"/>
                   </a:solidFill>
@@ -325,7 +325,7 @@
             </a:ln>
             <a:extLst>
               <a:ext uri="{91240B29-F687-4f45-9708-019B960494DF}">
-                <a14:hiddenLine xmlns="" xmlns:a14="http://schemas.microsoft.com/office/drawing/2010/main" w="9525">
+                <a14:hiddenLine xmlns:a14="http://schemas.microsoft.com/office/drawing/2010/main" xmlns="" w="9525">
                   <a:solidFill>
                     <a:srgbClr val="000000"/>
                   </a:solidFill>
@@ -415,7 +415,7 @@
             </a:ln>
             <a:extLst>
               <a:ext uri="{91240B29-F687-4f45-9708-019B960494DF}">
-                <a14:hiddenLine xmlns="" xmlns:a14="http://schemas.microsoft.com/office/drawing/2010/main" w="9525">
+                <a14:hiddenLine xmlns:a14="http://schemas.microsoft.com/office/drawing/2010/main" xmlns="" w="9525">
                   <a:solidFill>
                     <a:srgbClr val="000000"/>
                   </a:solidFill>
@@ -449,7 +449,7 @@
             </a:ln>
             <a:extLst>
               <a:ext uri="{91240B29-F687-4f45-9708-019B960494DF}">
-                <a14:hiddenLine xmlns="" xmlns:a14="http://schemas.microsoft.com/office/drawing/2010/main" w="9525">
+                <a14:hiddenLine xmlns:a14="http://schemas.microsoft.com/office/drawing/2010/main" xmlns="" w="9525">
                   <a:solidFill>
                     <a:srgbClr val="000000"/>
                   </a:solidFill>
@@ -539,7 +539,7 @@
             </a:ln>
             <a:extLst>
               <a:ext uri="{91240B29-F687-4f45-9708-019B960494DF}">
-                <a14:hiddenLine xmlns="" xmlns:a14="http://schemas.microsoft.com/office/drawing/2010/main" w="9525">
+                <a14:hiddenLine xmlns:a14="http://schemas.microsoft.com/office/drawing/2010/main" xmlns="" w="9525">
                   <a:solidFill>
                     <a:srgbClr val="000000"/>
                   </a:solidFill>
@@ -601,7 +601,7 @@
             </a:ln>
             <a:extLst>
               <a:ext uri="{91240B29-F687-4f45-9708-019B960494DF}">
-                <a14:hiddenLine xmlns="" xmlns:a14="http://schemas.microsoft.com/office/drawing/2010/main" w="9525">
+                <a14:hiddenLine xmlns:a14="http://schemas.microsoft.com/office/drawing/2010/main" xmlns="" w="9525">
                   <a:solidFill>
                     <a:srgbClr val="000000"/>
                   </a:solidFill>
@@ -663,7 +663,7 @@
             </a:ln>
             <a:extLst>
               <a:ext uri="{91240B29-F687-4f45-9708-019B960494DF}">
-                <a14:hiddenLine xmlns="" xmlns:a14="http://schemas.microsoft.com/office/drawing/2010/main" w="9525">
+                <a14:hiddenLine xmlns:a14="http://schemas.microsoft.com/office/drawing/2010/main" xmlns="" w="9525">
                   <a:solidFill>
                     <a:srgbClr val="000000"/>
                   </a:solidFill>
@@ -753,7 +753,7 @@
             </a:ln>
             <a:extLst>
               <a:ext uri="{91240B29-F687-4f45-9708-019B960494DF}">
-                <a14:hiddenLine xmlns="" xmlns:a14="http://schemas.microsoft.com/office/drawing/2010/main" w="9525">
+                <a14:hiddenLine xmlns:a14="http://schemas.microsoft.com/office/drawing/2010/main" xmlns="" w="9525">
                   <a:solidFill>
                     <a:srgbClr val="000000"/>
                   </a:solidFill>
@@ -815,7 +815,7 @@
             </a:ln>
             <a:extLst>
               <a:ext uri="{91240B29-F687-4f45-9708-019B960494DF}">
-                <a14:hiddenLine xmlns="" xmlns:a14="http://schemas.microsoft.com/office/drawing/2010/main" w="9525">
+                <a14:hiddenLine xmlns:a14="http://schemas.microsoft.com/office/drawing/2010/main" xmlns="" w="9525">
                   <a:solidFill>
                     <a:srgbClr val="000000"/>
                   </a:solidFill>
@@ -877,7 +877,7 @@
             </a:ln>
             <a:extLst>
               <a:ext uri="{91240B29-F687-4f45-9708-019B960494DF}">
-                <a14:hiddenLine xmlns="" xmlns:a14="http://schemas.microsoft.com/office/drawing/2010/main" w="9525">
+                <a14:hiddenLine xmlns:a14="http://schemas.microsoft.com/office/drawing/2010/main" xmlns="" w="9525">
                   <a:solidFill>
                     <a:srgbClr val="000000"/>
                   </a:solidFill>
@@ -967,7 +967,7 @@
             </a:ln>
             <a:extLst>
               <a:ext uri="{91240B29-F687-4f45-9708-019B960494DF}">
-                <a14:hiddenLine xmlns="" xmlns:a14="http://schemas.microsoft.com/office/drawing/2010/main" w="9525">
+                <a14:hiddenLine xmlns:a14="http://schemas.microsoft.com/office/drawing/2010/main" xmlns="" w="9525">
                   <a:solidFill>
                     <a:srgbClr val="000000"/>
                   </a:solidFill>
@@ -1057,7 +1057,7 @@
             </a:ln>
             <a:extLst>
               <a:ext uri="{91240B29-F687-4f45-9708-019B960494DF}">
-                <a14:hiddenLine xmlns="" xmlns:a14="http://schemas.microsoft.com/office/drawing/2010/main" w="9525">
+                <a14:hiddenLine xmlns:a14="http://schemas.microsoft.com/office/drawing/2010/main" xmlns="" w="9525">
                   <a:solidFill>
                     <a:srgbClr val="000000"/>
                   </a:solidFill>
@@ -1119,7 +1119,7 @@
             </a:ln>
             <a:extLst>
               <a:ext uri="{91240B29-F687-4f45-9708-019B960494DF}">
-                <a14:hiddenLine xmlns="" xmlns:a14="http://schemas.microsoft.com/office/drawing/2010/main" w="9525">
+                <a14:hiddenLine xmlns:a14="http://schemas.microsoft.com/office/drawing/2010/main" xmlns="" w="9525">
                   <a:solidFill>
                     <a:srgbClr val="000000"/>
                   </a:solidFill>
@@ -1229,7 +1229,7 @@
             </a:ln>
             <a:extLst>
               <a:ext uri="{91240B29-F687-4f45-9708-019B960494DF}">
-                <a14:hiddenLine xmlns="" xmlns:a14="http://schemas.microsoft.com/office/drawing/2010/main" w="9525">
+                <a14:hiddenLine xmlns:a14="http://schemas.microsoft.com/office/drawing/2010/main" xmlns="" w="9525">
                   <a:solidFill>
                     <a:srgbClr val="000000"/>
                   </a:solidFill>
@@ -1291,7 +1291,7 @@
             </a:ln>
             <a:extLst>
               <a:ext uri="{91240B29-F687-4f45-9708-019B960494DF}">
-                <a14:hiddenLine xmlns="" xmlns:a14="http://schemas.microsoft.com/office/drawing/2010/main" w="9525">
+                <a14:hiddenLine xmlns:a14="http://schemas.microsoft.com/office/drawing/2010/main" xmlns="" w="9525">
                   <a:solidFill>
                     <a:srgbClr val="000000"/>
                   </a:solidFill>
@@ -1381,7 +1381,7 @@
             </a:ln>
             <a:extLst>
               <a:ext uri="{91240B29-F687-4f45-9708-019B960494DF}">
-                <a14:hiddenLine xmlns="" xmlns:a14="http://schemas.microsoft.com/office/drawing/2010/main" w="9525">
+                <a14:hiddenLine xmlns:a14="http://schemas.microsoft.com/office/drawing/2010/main" xmlns="" w="9525">
                   <a:solidFill>
                     <a:srgbClr val="000000"/>
                   </a:solidFill>
@@ -1471,7 +1471,7 @@
             </a:ln>
             <a:extLst>
               <a:ext uri="{91240B29-F687-4f45-9708-019B960494DF}">
-                <a14:hiddenLine xmlns="" xmlns:a14="http://schemas.microsoft.com/office/drawing/2010/main" w="9525">
+                <a14:hiddenLine xmlns:a14="http://schemas.microsoft.com/office/drawing/2010/main" xmlns="" w="9525">
                   <a:solidFill>
                     <a:srgbClr val="000000"/>
                   </a:solidFill>
@@ -1533,7 +1533,7 @@
             </a:ln>
             <a:extLst>
               <a:ext uri="{91240B29-F687-4f45-9708-019B960494DF}">
-                <a14:hiddenLine xmlns="" xmlns:a14="http://schemas.microsoft.com/office/drawing/2010/main" w="9525">
+                <a14:hiddenLine xmlns:a14="http://schemas.microsoft.com/office/drawing/2010/main" xmlns="" w="9525">
                   <a:solidFill>
                     <a:srgbClr val="000000"/>
                   </a:solidFill>
@@ -1623,7 +1623,7 @@
             </a:ln>
             <a:extLst>
               <a:ext uri="{91240B29-F687-4f45-9708-019B960494DF}">
-                <a14:hiddenLine xmlns="" xmlns:a14="http://schemas.microsoft.com/office/drawing/2010/main" w="9525">
+                <a14:hiddenLine xmlns:a14="http://schemas.microsoft.com/office/drawing/2010/main" xmlns="" w="9525">
                   <a:solidFill>
                     <a:srgbClr val="000000"/>
                   </a:solidFill>
@@ -1713,7 +1713,7 @@
             </a:ln>
             <a:extLst>
               <a:ext uri="{91240B29-F687-4f45-9708-019B960494DF}">
-                <a14:hiddenLine xmlns="" xmlns:a14="http://schemas.microsoft.com/office/drawing/2010/main" w="9525">
+                <a14:hiddenLine xmlns:a14="http://schemas.microsoft.com/office/drawing/2010/main" xmlns="" w="9525">
                   <a:solidFill>
                     <a:srgbClr val="000000"/>
                   </a:solidFill>
@@ -1769,7 +1769,7 @@
             </a:ln>
             <a:extLst>
               <a:ext uri="{91240B29-F687-4f45-9708-019B960494DF}">
-                <a14:hiddenLine xmlns="" xmlns:a14="http://schemas.microsoft.com/office/drawing/2010/main" w="9525">
+                <a14:hiddenLine xmlns:a14="http://schemas.microsoft.com/office/drawing/2010/main" xmlns="" w="9525">
                   <a:solidFill>
                     <a:srgbClr val="000000"/>
                   </a:solidFill>
@@ -1859,7 +1859,7 @@
             </a:ln>
             <a:extLst>
               <a:ext uri="{91240B29-F687-4f45-9708-019B960494DF}">
-                <a14:hiddenLine xmlns="" xmlns:a14="http://schemas.microsoft.com/office/drawing/2010/main" w="9525">
+                <a14:hiddenLine xmlns:a14="http://schemas.microsoft.com/office/drawing/2010/main" xmlns="" w="9525">
                   <a:solidFill>
                     <a:srgbClr val="000000"/>
                   </a:solidFill>
@@ -1915,7 +1915,7 @@
             </a:ln>
             <a:extLst>
               <a:ext uri="{91240B29-F687-4f45-9708-019B960494DF}">
-                <a14:hiddenLine xmlns="" xmlns:a14="http://schemas.microsoft.com/office/drawing/2010/main" w="9525">
+                <a14:hiddenLine xmlns:a14="http://schemas.microsoft.com/office/drawing/2010/main" xmlns="" w="9525">
                   <a:solidFill>
                     <a:srgbClr val="000000"/>
                   </a:solidFill>
@@ -2005,7 +2005,7 @@
             </a:ln>
             <a:extLst>
               <a:ext uri="{91240B29-F687-4f45-9708-019B960494DF}">
-                <a14:hiddenLine xmlns="" xmlns:a14="http://schemas.microsoft.com/office/drawing/2010/main" w="9525">
+                <a14:hiddenLine xmlns:a14="http://schemas.microsoft.com/office/drawing/2010/main" xmlns="" w="9525">
                   <a:solidFill>
                     <a:srgbClr val="000000"/>
                   </a:solidFill>
@@ -2073,7 +2073,7 @@
             </a:ln>
             <a:extLst>
               <a:ext uri="{91240B29-F687-4f45-9708-019B960494DF}">
-                <a14:hiddenLine xmlns="" xmlns:a14="http://schemas.microsoft.com/office/drawing/2010/main" w="9525">
+                <a14:hiddenLine xmlns:a14="http://schemas.microsoft.com/office/drawing/2010/main" xmlns="" w="9525">
                   <a:solidFill>
                     <a:srgbClr val="000000"/>
                   </a:solidFill>
@@ -2163,7 +2163,7 @@
             </a:ln>
             <a:extLst>
               <a:ext uri="{91240B29-F687-4f45-9708-019B960494DF}">
-                <a14:hiddenLine xmlns="" xmlns:a14="http://schemas.microsoft.com/office/drawing/2010/main" w="9525">
+                <a14:hiddenLine xmlns:a14="http://schemas.microsoft.com/office/drawing/2010/main" xmlns="" w="9525">
                   <a:solidFill>
                     <a:srgbClr val="000000"/>
                   </a:solidFill>
@@ -2231,7 +2231,7 @@
             </a:ln>
             <a:extLst>
               <a:ext uri="{91240B29-F687-4f45-9708-019B960494DF}">
-                <a14:hiddenLine xmlns="" xmlns:a14="http://schemas.microsoft.com/office/drawing/2010/main" w="9525">
+                <a14:hiddenLine xmlns:a14="http://schemas.microsoft.com/office/drawing/2010/main" xmlns="" w="9525">
                   <a:solidFill>
                     <a:srgbClr val="000000"/>
                   </a:solidFill>
@@ -2321,7 +2321,7 @@
             </a:ln>
             <a:extLst>
               <a:ext uri="{91240B29-F687-4f45-9708-019B960494DF}">
-                <a14:hiddenLine xmlns="" xmlns:a14="http://schemas.microsoft.com/office/drawing/2010/main" w="9525">
+                <a14:hiddenLine xmlns:a14="http://schemas.microsoft.com/office/drawing/2010/main" xmlns="" w="9525">
                   <a:solidFill>
                     <a:srgbClr val="000000"/>
                   </a:solidFill>
@@ -2355,7 +2355,7 @@
             </a:ln>
             <a:extLst>
               <a:ext uri="{91240B29-F687-4f45-9708-019B960494DF}">
-                <a14:hiddenLine xmlns="" xmlns:a14="http://schemas.microsoft.com/office/drawing/2010/main" w="9525">
+                <a14:hiddenLine xmlns:a14="http://schemas.microsoft.com/office/drawing/2010/main" xmlns="" w="9525">
                   <a:solidFill>
                     <a:srgbClr val="000000"/>
                   </a:solidFill>
@@ -2445,7 +2445,7 @@
             </a:ln>
             <a:extLst>
               <a:ext uri="{91240B29-F687-4f45-9708-019B960494DF}">
-                <a14:hiddenLine xmlns="" xmlns:a14="http://schemas.microsoft.com/office/drawing/2010/main" w="9525">
+                <a14:hiddenLine xmlns:a14="http://schemas.microsoft.com/office/drawing/2010/main" xmlns="" w="9525">
                   <a:solidFill>
                     <a:srgbClr val="000000"/>
                   </a:solidFill>
@@ -2507,7 +2507,7 @@
             </a:ln>
             <a:extLst>
               <a:ext uri="{91240B29-F687-4f45-9708-019B960494DF}">
-                <a14:hiddenLine xmlns="" xmlns:a14="http://schemas.microsoft.com/office/drawing/2010/main" w="9525">
+                <a14:hiddenLine xmlns:a14="http://schemas.microsoft.com/office/drawing/2010/main" xmlns="" w="9525">
                   <a:solidFill>
                     <a:srgbClr val="000000"/>
                   </a:solidFill>
@@ -2569,7 +2569,7 @@
             </a:ln>
             <a:extLst>
               <a:ext uri="{91240B29-F687-4f45-9708-019B960494DF}">
-                <a14:hiddenLine xmlns="" xmlns:a14="http://schemas.microsoft.com/office/drawing/2010/main" w="9525">
+                <a14:hiddenLine xmlns:a14="http://schemas.microsoft.com/office/drawing/2010/main" xmlns="" w="9525">
                   <a:solidFill>
                     <a:srgbClr val="000000"/>
                   </a:solidFill>
@@ -2659,7 +2659,7 @@
             </a:ln>
             <a:extLst>
               <a:ext uri="{91240B29-F687-4f45-9708-019B960494DF}">
-                <a14:hiddenLine xmlns="" xmlns:a14="http://schemas.microsoft.com/office/drawing/2010/main" w="9525">
+                <a14:hiddenLine xmlns:a14="http://schemas.microsoft.com/office/drawing/2010/main" xmlns="" w="9525">
                   <a:solidFill>
                     <a:srgbClr val="000000"/>
                   </a:solidFill>
@@ -2727,7 +2727,7 @@
             </a:ln>
             <a:extLst>
               <a:ext uri="{91240B29-F687-4f45-9708-019B960494DF}">
-                <a14:hiddenLine xmlns="" xmlns:a14="http://schemas.microsoft.com/office/drawing/2010/main" w="9525">
+                <a14:hiddenLine xmlns:a14="http://schemas.microsoft.com/office/drawing/2010/main" xmlns="" w="9525">
                   <a:solidFill>
                     <a:srgbClr val="000000"/>
                   </a:solidFill>
@@ -2789,7 +2789,7 @@
             </a:ln>
             <a:extLst>
               <a:ext uri="{91240B29-F687-4f45-9708-019B960494DF}">
-                <a14:hiddenLine xmlns="" xmlns:a14="http://schemas.microsoft.com/office/drawing/2010/main" w="9525">
+                <a14:hiddenLine xmlns:a14="http://schemas.microsoft.com/office/drawing/2010/main" xmlns="" w="9525">
                   <a:solidFill>
                     <a:srgbClr val="000000"/>
                   </a:solidFill>
@@ -2879,7 +2879,7 @@
             </a:ln>
             <a:extLst>
               <a:ext uri="{91240B29-F687-4f45-9708-019B960494DF}">
-                <a14:hiddenLine xmlns="" xmlns:a14="http://schemas.microsoft.com/office/drawing/2010/main" w="9525">
+                <a14:hiddenLine xmlns:a14="http://schemas.microsoft.com/office/drawing/2010/main" xmlns="" w="9525">
                   <a:solidFill>
                     <a:srgbClr val="000000"/>
                   </a:solidFill>
@@ -2941,7 +2941,7 @@
             </a:ln>
             <a:extLst>
               <a:ext uri="{91240B29-F687-4f45-9708-019B960494DF}">
-                <a14:hiddenLine xmlns="" xmlns:a14="http://schemas.microsoft.com/office/drawing/2010/main" w="9525">
+                <a14:hiddenLine xmlns:a14="http://schemas.microsoft.com/office/drawing/2010/main" xmlns="" w="9525">
                   <a:solidFill>
                     <a:srgbClr val="000000"/>
                   </a:solidFill>
@@ -3031,7 +3031,7 @@
             </a:ln>
             <a:extLst>
               <a:ext uri="{91240B29-F687-4f45-9708-019B960494DF}">
-                <a14:hiddenLine xmlns="" xmlns:a14="http://schemas.microsoft.com/office/drawing/2010/main" w="9525">
+                <a14:hiddenLine xmlns:a14="http://schemas.microsoft.com/office/drawing/2010/main" xmlns="" w="9525">
                   <a:solidFill>
                     <a:srgbClr val="000000"/>
                   </a:solidFill>
@@ -3093,7 +3093,7 @@
             </a:ln>
             <a:extLst>
               <a:ext uri="{91240B29-F687-4f45-9708-019B960494DF}">
-                <a14:hiddenLine xmlns="" xmlns:a14="http://schemas.microsoft.com/office/drawing/2010/main" w="9525">
+                <a14:hiddenLine xmlns:a14="http://schemas.microsoft.com/office/drawing/2010/main" xmlns="" w="9525">
                   <a:solidFill>
                     <a:srgbClr val="000000"/>
                   </a:solidFill>
@@ -3183,7 +3183,7 @@
             </a:ln>
             <a:extLst>
               <a:ext uri="{91240B29-F687-4f45-9708-019B960494DF}">
-                <a14:hiddenLine xmlns="" xmlns:a14="http://schemas.microsoft.com/office/drawing/2010/main" w="9525">
+                <a14:hiddenLine xmlns:a14="http://schemas.microsoft.com/office/drawing/2010/main" xmlns="" w="9525">
                   <a:solidFill>
                     <a:srgbClr val="000000"/>
                   </a:solidFill>
@@ -3217,7 +3217,7 @@
             </a:ln>
             <a:extLst>
               <a:ext uri="{91240B29-F687-4f45-9708-019B960494DF}">
-                <a14:hiddenLine xmlns="" xmlns:a14="http://schemas.microsoft.com/office/drawing/2010/main" w="9525">
+                <a14:hiddenLine xmlns:a14="http://schemas.microsoft.com/office/drawing/2010/main" xmlns="" w="9525">
                   <a:solidFill>
                     <a:srgbClr val="000000"/>
                   </a:solidFill>
@@ -3282,7 +3282,7 @@
             </a:ln>
             <a:extLst>
               <a:ext uri="{91240B29-F687-4f45-9708-019B960494DF}">
-                <a14:hiddenLine xmlns="" xmlns:a14="http://schemas.microsoft.com/office/drawing/2010/main" w="9525">
+                <a14:hiddenLine xmlns:a14="http://schemas.microsoft.com/office/drawing/2010/main" xmlns="" w="9525">
                   <a:solidFill>
                     <a:srgbClr val="000000"/>
                   </a:solidFill>
@@ -3372,7 +3372,7 @@
             </a:ln>
             <a:extLst>
               <a:ext uri="{91240B29-F687-4f45-9708-019B960494DF}">
-                <a14:hiddenLine xmlns="" xmlns:a14="http://schemas.microsoft.com/office/drawing/2010/main" w="9525">
+                <a14:hiddenLine xmlns:a14="http://schemas.microsoft.com/office/drawing/2010/main" xmlns="" w="9525">
                   <a:solidFill>
                     <a:srgbClr val="000000"/>
                   </a:solidFill>
@@ -3434,7 +3434,7 @@
             </a:ln>
             <a:extLst>
               <a:ext uri="{91240B29-F687-4f45-9708-019B960494DF}">
-                <a14:hiddenLine xmlns="" xmlns:a14="http://schemas.microsoft.com/office/drawing/2010/main" w="9525">
+                <a14:hiddenLine xmlns:a14="http://schemas.microsoft.com/office/drawing/2010/main" xmlns="" w="9525">
                   <a:solidFill>
                     <a:srgbClr val="000000"/>
                   </a:solidFill>
@@ -3524,7 +3524,7 @@
             </a:ln>
             <a:extLst>
               <a:ext uri="{91240B29-F687-4f45-9708-019B960494DF}">
-                <a14:hiddenLine xmlns="" xmlns:a14="http://schemas.microsoft.com/office/drawing/2010/main" w="9525">
+                <a14:hiddenLine xmlns:a14="http://schemas.microsoft.com/office/drawing/2010/main" xmlns="" w="9525">
                   <a:solidFill>
                     <a:srgbClr val="000000"/>
                   </a:solidFill>
@@ -3614,7 +3614,7 @@
             </a:ln>
             <a:extLst>
               <a:ext uri="{91240B29-F687-4f45-9708-019B960494DF}">
-                <a14:hiddenLine xmlns="" xmlns:a14="http://schemas.microsoft.com/office/drawing/2010/main" w="9525">
+                <a14:hiddenLine xmlns:a14="http://schemas.microsoft.com/office/drawing/2010/main" xmlns="" w="9525">
                   <a:solidFill>
                     <a:srgbClr val="000000"/>
                   </a:solidFill>
@@ -3679,7 +3679,7 @@
             </a:ln>
             <a:extLst>
               <a:ext uri="{91240B29-F687-4f45-9708-019B960494DF}">
-                <a14:hiddenLine xmlns="" xmlns:a14="http://schemas.microsoft.com/office/drawing/2010/main" w="9525">
+                <a14:hiddenLine xmlns:a14="http://schemas.microsoft.com/office/drawing/2010/main" xmlns="" w="9525">
                   <a:solidFill>
                     <a:srgbClr val="000000"/>
                   </a:solidFill>
@@ -3741,7 +3741,7 @@
             </a:ln>
             <a:extLst>
               <a:ext uri="{91240B29-F687-4f45-9708-019B960494DF}">
-                <a14:hiddenLine xmlns="" xmlns:a14="http://schemas.microsoft.com/office/drawing/2010/main" w="9525">
+                <a14:hiddenLine xmlns:a14="http://schemas.microsoft.com/office/drawing/2010/main" xmlns="" w="9525">
                   <a:solidFill>
                     <a:srgbClr val="000000"/>
                   </a:solidFill>
@@ -3831,7 +3831,7 @@
             </a:ln>
             <a:extLst>
               <a:ext uri="{91240B29-F687-4f45-9708-019B960494DF}">
-                <a14:hiddenLine xmlns="" xmlns:a14="http://schemas.microsoft.com/office/drawing/2010/main" w="9525">
+                <a14:hiddenLine xmlns:a14="http://schemas.microsoft.com/office/drawing/2010/main" xmlns="" w="9525">
                   <a:solidFill>
                     <a:srgbClr val="000000"/>
                   </a:solidFill>
@@ -3921,7 +3921,7 @@
             </a:ln>
             <a:extLst>
               <a:ext uri="{91240B29-F687-4f45-9708-019B960494DF}">
-                <a14:hiddenLine xmlns="" xmlns:a14="http://schemas.microsoft.com/office/drawing/2010/main" w="9525">
+                <a14:hiddenLine xmlns:a14="http://schemas.microsoft.com/office/drawing/2010/main" xmlns="" w="9525">
                   <a:solidFill>
                     <a:srgbClr val="000000"/>
                   </a:solidFill>
@@ -3983,7 +3983,7 @@
             </a:ln>
             <a:extLst>
               <a:ext uri="{91240B29-F687-4f45-9708-019B960494DF}">
-                <a14:hiddenLine xmlns="" xmlns:a14="http://schemas.microsoft.com/office/drawing/2010/main" w="9525">
+                <a14:hiddenLine xmlns:a14="http://schemas.microsoft.com/office/drawing/2010/main" xmlns="" w="9525">
                   <a:solidFill>
                     <a:srgbClr val="000000"/>
                   </a:solidFill>
@@ -4103,7 +4103,7 @@
             </a:ln>
             <a:extLst>
               <a:ext uri="{91240B29-F687-4f45-9708-019B960494DF}">
-                <a14:hiddenLine xmlns="" xmlns:a14="http://schemas.microsoft.com/office/drawing/2010/main" w="9525">
+                <a14:hiddenLine xmlns:a14="http://schemas.microsoft.com/office/drawing/2010/main" xmlns="" w="9525">
                   <a:solidFill>
                     <a:srgbClr val="000000"/>
                   </a:solidFill>
@@ -4171,7 +4171,7 @@
             </a:ln>
             <a:extLst>
               <a:ext uri="{91240B29-F687-4f45-9708-019B960494DF}">
-                <a14:hiddenLine xmlns="" xmlns:a14="http://schemas.microsoft.com/office/drawing/2010/main" w="9525">
+                <a14:hiddenLine xmlns:a14="http://schemas.microsoft.com/office/drawing/2010/main" xmlns="" w="9525">
                   <a:solidFill>
                     <a:srgbClr val="000000"/>
                   </a:solidFill>
@@ -4261,7 +4261,7 @@
             </a:ln>
             <a:extLst>
               <a:ext uri="{91240B29-F687-4f45-9708-019B960494DF}">
-                <a14:hiddenLine xmlns="" xmlns:a14="http://schemas.microsoft.com/office/drawing/2010/main" w="9525">
+                <a14:hiddenLine xmlns:a14="http://schemas.microsoft.com/office/drawing/2010/main" xmlns="" w="9525">
                   <a:solidFill>
                     <a:srgbClr val="000000"/>
                   </a:solidFill>
@@ -4401,7 +4401,7 @@
           <a:p>
             <a:fld id="{48A87A34-81AB-432B-8DAE-1953F412C126}" type="datetimeFigureOut">
               <a:rPr lang="en-US" dirty="0"/>
-              <a:t>12/4/2016</a:t>
+              <a:t>12/6/2016</a:t>
             </a:fld>
             <a:endParaRPr lang="en-US" dirty="0"/>
           </a:p>
@@ -4663,7 +4663,7 @@
           <a:p>
             <a:fld id="{48A87A34-81AB-432B-8DAE-1953F412C126}" type="datetimeFigureOut">
               <a:rPr lang="en-US" dirty="0"/>
-              <a:t>12/4/2016</a:t>
+              <a:t>12/6/2016</a:t>
             </a:fld>
             <a:endParaRPr lang="en-US" dirty="0"/>
           </a:p>
@@ -4854,7 +4854,7 @@
           <a:p>
             <a:fld id="{48A87A34-81AB-432B-8DAE-1953F412C126}" type="datetimeFigureOut">
               <a:rPr lang="en-US" dirty="0"/>
-              <a:t>12/4/2016</a:t>
+              <a:t>12/6/2016</a:t>
             </a:fld>
             <a:endParaRPr lang="en-US" dirty="0"/>
           </a:p>
@@ -5112,7 +5112,7 @@
           <a:p>
             <a:fld id="{48A87A34-81AB-432B-8DAE-1953F412C126}" type="datetimeFigureOut">
               <a:rPr lang="en-US" dirty="0"/>
-              <a:t>12/4/2016</a:t>
+              <a:t>12/6/2016</a:t>
             </a:fld>
             <a:endParaRPr lang="en-US" dirty="0"/>
           </a:p>
@@ -5541,7 +5541,7 @@
           <a:p>
             <a:fld id="{48A87A34-81AB-432B-8DAE-1953F412C126}" type="datetimeFigureOut">
               <a:rPr lang="en-US" dirty="0"/>
-              <a:t>12/4/2016</a:t>
+              <a:t>12/6/2016</a:t>
             </a:fld>
             <a:endParaRPr lang="en-US" dirty="0"/>
           </a:p>
@@ -6082,7 +6082,7 @@
           <a:p>
             <a:fld id="{48A87A34-81AB-432B-8DAE-1953F412C126}" type="datetimeFigureOut">
               <a:rPr lang="en-US" dirty="0"/>
-              <a:t>12/4/2016</a:t>
+              <a:t>12/6/2016</a:t>
             </a:fld>
             <a:endParaRPr lang="en-US" dirty="0"/>
           </a:p>
@@ -6797,7 +6797,7 @@
           <a:p>
             <a:fld id="{48A87A34-81AB-432B-8DAE-1953F412C126}" type="datetimeFigureOut">
               <a:rPr lang="en-US" dirty="0"/>
-              <a:t>12/4/2016</a:t>
+              <a:t>12/6/2016</a:t>
             </a:fld>
             <a:endParaRPr lang="en-US" dirty="0"/>
           </a:p>
@@ -6962,7 +6962,7 @@
           <a:p>
             <a:fld id="{48A87A34-81AB-432B-8DAE-1953F412C126}" type="datetimeFigureOut">
               <a:rPr lang="en-US" dirty="0"/>
-              <a:t>12/4/2016</a:t>
+              <a:t>12/6/2016</a:t>
             </a:fld>
             <a:endParaRPr lang="en-US" dirty="0"/>
           </a:p>
@@ -7137,7 +7137,7 @@
           <a:p>
             <a:fld id="{48A87A34-81AB-432B-8DAE-1953F412C126}" type="datetimeFigureOut">
               <a:rPr lang="en-US" dirty="0"/>
-              <a:t>12/4/2016</a:t>
+              <a:t>12/6/2016</a:t>
             </a:fld>
             <a:endParaRPr lang="en-US" dirty="0"/>
           </a:p>
@@ -7302,7 +7302,7 @@
           <a:p>
             <a:fld id="{48A87A34-81AB-432B-8DAE-1953F412C126}" type="datetimeFigureOut">
               <a:rPr lang="en-US" dirty="0"/>
-              <a:t>12/4/2016</a:t>
+              <a:t>12/6/2016</a:t>
             </a:fld>
             <a:endParaRPr lang="en-US" dirty="0"/>
           </a:p>
@@ -7547,7 +7547,7 @@
           <a:p>
             <a:fld id="{48A87A34-81AB-432B-8DAE-1953F412C126}" type="datetimeFigureOut">
               <a:rPr lang="en-US" dirty="0"/>
-              <a:t>12/4/2016</a:t>
+              <a:t>12/6/2016</a:t>
             </a:fld>
             <a:endParaRPr lang="en-US" dirty="0"/>
           </a:p>
@@ -7774,7 +7774,7 @@
           <a:p>
             <a:fld id="{48A87A34-81AB-432B-8DAE-1953F412C126}" type="datetimeFigureOut">
               <a:rPr lang="en-US" dirty="0"/>
-              <a:t>12/4/2016</a:t>
+              <a:t>12/6/2016</a:t>
             </a:fld>
             <a:endParaRPr lang="en-US" dirty="0"/>
           </a:p>
@@ -8150,7 +8150,7 @@
           <a:p>
             <a:fld id="{48A87A34-81AB-432B-8DAE-1953F412C126}" type="datetimeFigureOut">
               <a:rPr lang="en-US" dirty="0"/>
-              <a:t>12/4/2016</a:t>
+              <a:t>12/6/2016</a:t>
             </a:fld>
             <a:endParaRPr lang="en-US" dirty="0"/>
           </a:p>
@@ -8263,7 +8263,7 @@
           <a:p>
             <a:fld id="{48A87A34-81AB-432B-8DAE-1953F412C126}" type="datetimeFigureOut">
               <a:rPr lang="en-US" dirty="0"/>
-              <a:t>12/4/2016</a:t>
+              <a:t>12/6/2016</a:t>
             </a:fld>
             <a:endParaRPr lang="en-US" dirty="0"/>
           </a:p>
@@ -8353,7 +8353,7 @@
           <a:p>
             <a:fld id="{48A87A34-81AB-432B-8DAE-1953F412C126}" type="datetimeFigureOut">
               <a:rPr lang="en-US" dirty="0"/>
-              <a:t>12/4/2016</a:t>
+              <a:t>12/6/2016</a:t>
             </a:fld>
             <a:endParaRPr lang="en-US" dirty="0"/>
           </a:p>
@@ -8597,7 +8597,7 @@
           <a:p>
             <a:fld id="{48A87A34-81AB-432B-8DAE-1953F412C126}" type="datetimeFigureOut">
               <a:rPr lang="en-US" dirty="0"/>
-              <a:t>12/4/2016</a:t>
+              <a:t>12/6/2016</a:t>
             </a:fld>
             <a:endParaRPr lang="en-US" dirty="0"/>
           </a:p>
@@ -8872,7 +8872,7 @@
           <a:p>
             <a:fld id="{48A87A34-81AB-432B-8DAE-1953F412C126}" type="datetimeFigureOut">
               <a:rPr lang="en-US" dirty="0"/>
-              <a:t>12/4/2016</a:t>
+              <a:t>12/6/2016</a:t>
             </a:fld>
             <a:endParaRPr lang="en-US" dirty="0"/>
           </a:p>
@@ -8990,7 +8990,7 @@
           <a:noFill/>
           <a:extLst>
             <a:ext uri="{909E8E84-426E-40dd-AFC4-6F175D3DCCD1}">
-              <a14:hiddenFill xmlns="" xmlns:a14="http://schemas.microsoft.com/office/drawing/2010/main">
+              <a14:hiddenFill xmlns:a14="http://schemas.microsoft.com/office/drawing/2010/main" xmlns="">
                 <a:solidFill>
                   <a:srgbClr val="FFFFFF"/>
                 </a:solidFill>
@@ -9064,7 +9064,7 @@
               </a:ln>
               <a:extLst>
                 <a:ext uri="{91240B29-F687-4f45-9708-019B960494DF}">
-                  <a14:hiddenLine xmlns="" xmlns:a14="http://schemas.microsoft.com/office/drawing/2010/main" w="9525">
+                  <a14:hiddenLine xmlns:a14="http://schemas.microsoft.com/office/drawing/2010/main" xmlns="" w="9525">
                     <a:solidFill>
                       <a:srgbClr val="000000"/>
                     </a:solidFill>
@@ -9154,7 +9154,7 @@
               </a:ln>
               <a:extLst>
                 <a:ext uri="{91240B29-F687-4f45-9708-019B960494DF}">
-                  <a14:hiddenLine xmlns="" xmlns:a14="http://schemas.microsoft.com/office/drawing/2010/main" w="9525">
+                  <a14:hiddenLine xmlns:a14="http://schemas.microsoft.com/office/drawing/2010/main" xmlns="" w="9525">
                     <a:solidFill>
                       <a:srgbClr val="000000"/>
                     </a:solidFill>
@@ -9244,7 +9244,7 @@
               </a:ln>
               <a:extLst>
                 <a:ext uri="{91240B29-F687-4f45-9708-019B960494DF}">
-                  <a14:hiddenLine xmlns="" xmlns:a14="http://schemas.microsoft.com/office/drawing/2010/main" w="9525">
+                  <a14:hiddenLine xmlns:a14="http://schemas.microsoft.com/office/drawing/2010/main" xmlns="" w="9525">
                     <a:solidFill>
                       <a:srgbClr val="000000"/>
                     </a:solidFill>
@@ -9306,7 +9306,7 @@
               </a:ln>
               <a:extLst>
                 <a:ext uri="{91240B29-F687-4f45-9708-019B960494DF}">
-                  <a14:hiddenLine xmlns="" xmlns:a14="http://schemas.microsoft.com/office/drawing/2010/main" w="9525">
+                  <a14:hiddenLine xmlns:a14="http://schemas.microsoft.com/office/drawing/2010/main" xmlns="" w="9525">
                     <a:solidFill>
                       <a:srgbClr val="000000"/>
                     </a:solidFill>
@@ -9396,7 +9396,7 @@
               </a:ln>
               <a:extLst>
                 <a:ext uri="{91240B29-F687-4f45-9708-019B960494DF}">
-                  <a14:hiddenLine xmlns="" xmlns:a14="http://schemas.microsoft.com/office/drawing/2010/main" w="9525">
+                  <a14:hiddenLine xmlns:a14="http://schemas.microsoft.com/office/drawing/2010/main" xmlns="" w="9525">
                     <a:solidFill>
                       <a:srgbClr val="000000"/>
                     </a:solidFill>
@@ -9458,7 +9458,7 @@
               </a:ln>
               <a:extLst>
                 <a:ext uri="{91240B29-F687-4f45-9708-019B960494DF}">
-                  <a14:hiddenLine xmlns="" xmlns:a14="http://schemas.microsoft.com/office/drawing/2010/main" w="9525">
+                  <a14:hiddenLine xmlns:a14="http://schemas.microsoft.com/office/drawing/2010/main" xmlns="" w="9525">
                     <a:solidFill>
                       <a:srgbClr val="000000"/>
                     </a:solidFill>
@@ -9520,7 +9520,7 @@
               </a:ln>
               <a:extLst>
                 <a:ext uri="{91240B29-F687-4f45-9708-019B960494DF}">
-                  <a14:hiddenLine xmlns="" xmlns:a14="http://schemas.microsoft.com/office/drawing/2010/main" w="9525">
+                  <a14:hiddenLine xmlns:a14="http://schemas.microsoft.com/office/drawing/2010/main" xmlns="" w="9525">
                     <a:solidFill>
                       <a:srgbClr val="000000"/>
                     </a:solidFill>
@@ -9610,7 +9610,7 @@
               </a:ln>
               <a:extLst>
                 <a:ext uri="{91240B29-F687-4f45-9708-019B960494DF}">
-                  <a14:hiddenLine xmlns="" xmlns:a14="http://schemas.microsoft.com/office/drawing/2010/main" w="9525">
+                  <a14:hiddenLine xmlns:a14="http://schemas.microsoft.com/office/drawing/2010/main" xmlns="" w="9525">
                     <a:solidFill>
                       <a:srgbClr val="000000"/>
                     </a:solidFill>
@@ -9700,7 +9700,7 @@
               </a:ln>
               <a:extLst>
                 <a:ext uri="{91240B29-F687-4f45-9708-019B960494DF}">
-                  <a14:hiddenLine xmlns="" xmlns:a14="http://schemas.microsoft.com/office/drawing/2010/main" w="9525">
+                  <a14:hiddenLine xmlns:a14="http://schemas.microsoft.com/office/drawing/2010/main" xmlns="" w="9525">
                     <a:solidFill>
                       <a:srgbClr val="000000"/>
                     </a:solidFill>
@@ -9762,7 +9762,7 @@
               </a:ln>
               <a:extLst>
                 <a:ext uri="{91240B29-F687-4f45-9708-019B960494DF}">
-                  <a14:hiddenLine xmlns="" xmlns:a14="http://schemas.microsoft.com/office/drawing/2010/main" w="9525">
+                  <a14:hiddenLine xmlns:a14="http://schemas.microsoft.com/office/drawing/2010/main" xmlns="" w="9525">
                     <a:solidFill>
                       <a:srgbClr val="000000"/>
                     </a:solidFill>
@@ -9872,7 +9872,7 @@
               </a:ln>
               <a:extLst>
                 <a:ext uri="{91240B29-F687-4f45-9708-019B960494DF}">
-                  <a14:hiddenLine xmlns="" xmlns:a14="http://schemas.microsoft.com/office/drawing/2010/main" w="9525">
+                  <a14:hiddenLine xmlns:a14="http://schemas.microsoft.com/office/drawing/2010/main" xmlns="" w="9525">
                     <a:solidFill>
                       <a:srgbClr val="000000"/>
                     </a:solidFill>
@@ -9956,7 +9956,7 @@
               </a:ln>
               <a:extLst>
                 <a:ext uri="{91240B29-F687-4f45-9708-019B960494DF}">
-                  <a14:hiddenLine xmlns="" xmlns:a14="http://schemas.microsoft.com/office/drawing/2010/main" w="9525">
+                  <a14:hiddenLine xmlns:a14="http://schemas.microsoft.com/office/drawing/2010/main" xmlns="" w="9525">
                     <a:solidFill>
                       <a:srgbClr val="000000"/>
                     </a:solidFill>
@@ -10018,7 +10018,7 @@
               </a:ln>
               <a:extLst>
                 <a:ext uri="{91240B29-F687-4f45-9708-019B960494DF}">
-                  <a14:hiddenLine xmlns="" xmlns:a14="http://schemas.microsoft.com/office/drawing/2010/main" w="9525">
+                  <a14:hiddenLine xmlns:a14="http://schemas.microsoft.com/office/drawing/2010/main" xmlns="" w="9525">
                     <a:solidFill>
                       <a:srgbClr val="000000"/>
                     </a:solidFill>
@@ -10080,7 +10080,7 @@
               </a:ln>
               <a:extLst>
                 <a:ext uri="{91240B29-F687-4f45-9708-019B960494DF}">
-                  <a14:hiddenLine xmlns="" xmlns:a14="http://schemas.microsoft.com/office/drawing/2010/main" w="9525">
+                  <a14:hiddenLine xmlns:a14="http://schemas.microsoft.com/office/drawing/2010/main" xmlns="" w="9525">
                     <a:solidFill>
                       <a:srgbClr val="000000"/>
                     </a:solidFill>
@@ -10170,7 +10170,7 @@
               </a:ln>
               <a:extLst>
                 <a:ext uri="{91240B29-F687-4f45-9708-019B960494DF}">
-                  <a14:hiddenLine xmlns="" xmlns:a14="http://schemas.microsoft.com/office/drawing/2010/main" w="9525">
+                  <a14:hiddenLine xmlns:a14="http://schemas.microsoft.com/office/drawing/2010/main" xmlns="" w="9525">
                     <a:solidFill>
                       <a:srgbClr val="000000"/>
                     </a:solidFill>
@@ -10204,7 +10204,7 @@
               </a:ln>
               <a:extLst>
                 <a:ext uri="{91240B29-F687-4f45-9708-019B960494DF}">
-                  <a14:hiddenLine xmlns="" xmlns:a14="http://schemas.microsoft.com/office/drawing/2010/main" w="9525">
+                  <a14:hiddenLine xmlns:a14="http://schemas.microsoft.com/office/drawing/2010/main" xmlns="" w="9525">
                     <a:solidFill>
                       <a:srgbClr val="000000"/>
                     </a:solidFill>
@@ -10269,7 +10269,7 @@
               </a:ln>
               <a:extLst>
                 <a:ext uri="{91240B29-F687-4f45-9708-019B960494DF}">
-                  <a14:hiddenLine xmlns="" xmlns:a14="http://schemas.microsoft.com/office/drawing/2010/main" w="9525">
+                  <a14:hiddenLine xmlns:a14="http://schemas.microsoft.com/office/drawing/2010/main" xmlns="" w="9525">
                     <a:solidFill>
                       <a:srgbClr val="000000"/>
                     </a:solidFill>
@@ -10359,7 +10359,7 @@
               </a:ln>
               <a:extLst>
                 <a:ext uri="{91240B29-F687-4f45-9708-019B960494DF}">
-                  <a14:hiddenLine xmlns="" xmlns:a14="http://schemas.microsoft.com/office/drawing/2010/main" w="9525">
+                  <a14:hiddenLine xmlns:a14="http://schemas.microsoft.com/office/drawing/2010/main" xmlns="" w="9525">
                     <a:solidFill>
                       <a:srgbClr val="000000"/>
                     </a:solidFill>
@@ -10421,7 +10421,7 @@
               </a:ln>
               <a:extLst>
                 <a:ext uri="{91240B29-F687-4f45-9708-019B960494DF}">
-                  <a14:hiddenLine xmlns="" xmlns:a14="http://schemas.microsoft.com/office/drawing/2010/main" w="9525">
+                  <a14:hiddenLine xmlns:a14="http://schemas.microsoft.com/office/drawing/2010/main" xmlns="" w="9525">
                     <a:solidFill>
                       <a:srgbClr val="000000"/>
                     </a:solidFill>
@@ -10511,7 +10511,7 @@
               </a:ln>
               <a:extLst>
                 <a:ext uri="{91240B29-F687-4f45-9708-019B960494DF}">
-                  <a14:hiddenLine xmlns="" xmlns:a14="http://schemas.microsoft.com/office/drawing/2010/main" w="9525">
+                  <a14:hiddenLine xmlns:a14="http://schemas.microsoft.com/office/drawing/2010/main" xmlns="" w="9525">
                     <a:solidFill>
                       <a:srgbClr val="000000"/>
                     </a:solidFill>
@@ -10576,7 +10576,7 @@
               </a:ln>
               <a:extLst>
                 <a:ext uri="{91240B29-F687-4f45-9708-019B960494DF}">
-                  <a14:hiddenLine xmlns="" xmlns:a14="http://schemas.microsoft.com/office/drawing/2010/main" w="9525">
+                  <a14:hiddenLine xmlns:a14="http://schemas.microsoft.com/office/drawing/2010/main" xmlns="" w="9525">
                     <a:solidFill>
                       <a:srgbClr val="000000"/>
                     </a:solidFill>
@@ -10638,7 +10638,7 @@
               </a:ln>
               <a:extLst>
                 <a:ext uri="{91240B29-F687-4f45-9708-019B960494DF}">
-                  <a14:hiddenLine xmlns="" xmlns:a14="http://schemas.microsoft.com/office/drawing/2010/main" w="9525">
+                  <a14:hiddenLine xmlns:a14="http://schemas.microsoft.com/office/drawing/2010/main" xmlns="" w="9525">
                     <a:solidFill>
                       <a:srgbClr val="000000"/>
                     </a:solidFill>
@@ -10728,7 +10728,7 @@
               </a:ln>
               <a:extLst>
                 <a:ext uri="{91240B29-F687-4f45-9708-019B960494DF}">
-                  <a14:hiddenLine xmlns="" xmlns:a14="http://schemas.microsoft.com/office/drawing/2010/main" w="9525">
+                  <a14:hiddenLine xmlns:a14="http://schemas.microsoft.com/office/drawing/2010/main" xmlns="" w="9525">
                     <a:solidFill>
                       <a:srgbClr val="000000"/>
                     </a:solidFill>
@@ -10818,7 +10818,7 @@
               </a:ln>
               <a:extLst>
                 <a:ext uri="{91240B29-F687-4f45-9708-019B960494DF}">
-                  <a14:hiddenLine xmlns="" xmlns:a14="http://schemas.microsoft.com/office/drawing/2010/main" w="9525">
+                  <a14:hiddenLine xmlns:a14="http://schemas.microsoft.com/office/drawing/2010/main" xmlns="" w="9525">
                     <a:solidFill>
                       <a:srgbClr val="000000"/>
                     </a:solidFill>
@@ -10883,7 +10883,7 @@
               </a:ln>
               <a:extLst>
                 <a:ext uri="{91240B29-F687-4f45-9708-019B960494DF}">
-                  <a14:hiddenLine xmlns="" xmlns:a14="http://schemas.microsoft.com/office/drawing/2010/main" w="9525">
+                  <a14:hiddenLine xmlns:a14="http://schemas.microsoft.com/office/drawing/2010/main" xmlns="" w="9525">
                     <a:solidFill>
                       <a:srgbClr val="000000"/>
                     </a:solidFill>
@@ -11003,7 +11003,7 @@
               </a:ln>
               <a:extLst>
                 <a:ext uri="{91240B29-F687-4f45-9708-019B960494DF}">
-                  <a14:hiddenLine xmlns="" xmlns:a14="http://schemas.microsoft.com/office/drawing/2010/main" w="9525">
+                  <a14:hiddenLine xmlns:a14="http://schemas.microsoft.com/office/drawing/2010/main" xmlns="" w="9525">
                     <a:solidFill>
                       <a:srgbClr val="000000"/>
                     </a:solidFill>
@@ -11101,7 +11101,7 @@
               </a:ln>
               <a:extLst>
                 <a:ext uri="{91240B29-F687-4f45-9708-019B960494DF}">
-                  <a14:hiddenLine xmlns="" xmlns:a14="http://schemas.microsoft.com/office/drawing/2010/main" w="9525">
+                  <a14:hiddenLine xmlns:a14="http://schemas.microsoft.com/office/drawing/2010/main" xmlns="" w="9525">
                     <a:solidFill>
                       <a:srgbClr val="000000"/>
                     </a:solidFill>
@@ -11216,7 +11216,7 @@
               </a:ln>
               <a:extLst>
                 <a:ext uri="{91240B29-F687-4f45-9708-019B960494DF}">
-                  <a14:hiddenLine xmlns="" xmlns:a14="http://schemas.microsoft.com/office/drawing/2010/main" w="9525">
+                  <a14:hiddenLine xmlns:a14="http://schemas.microsoft.com/office/drawing/2010/main" xmlns="" w="9525">
                     <a:solidFill>
                       <a:srgbClr val="000000"/>
                     </a:solidFill>
@@ -11306,7 +11306,7 @@
               </a:ln>
               <a:extLst>
                 <a:ext uri="{91240B29-F687-4f45-9708-019B960494DF}">
-                  <a14:hiddenLine xmlns="" xmlns:a14="http://schemas.microsoft.com/office/drawing/2010/main" w="9525">
+                  <a14:hiddenLine xmlns:a14="http://schemas.microsoft.com/office/drawing/2010/main" xmlns="" w="9525">
                     <a:solidFill>
                       <a:srgbClr val="000000"/>
                     </a:solidFill>
@@ -11371,7 +11371,7 @@
               </a:ln>
               <a:extLst>
                 <a:ext uri="{91240B29-F687-4f45-9708-019B960494DF}">
-                  <a14:hiddenLine xmlns="" xmlns:a14="http://schemas.microsoft.com/office/drawing/2010/main" w="9525">
+                  <a14:hiddenLine xmlns:a14="http://schemas.microsoft.com/office/drawing/2010/main" xmlns="" w="9525">
                     <a:solidFill>
                       <a:srgbClr val="000000"/>
                     </a:solidFill>
@@ -11461,7 +11461,7 @@
               </a:ln>
               <a:extLst>
                 <a:ext uri="{91240B29-F687-4f45-9708-019B960494DF}">
-                  <a14:hiddenLine xmlns="" xmlns:a14="http://schemas.microsoft.com/office/drawing/2010/main" w="9525">
+                  <a14:hiddenLine xmlns:a14="http://schemas.microsoft.com/office/drawing/2010/main" xmlns="" w="9525">
                     <a:solidFill>
                       <a:srgbClr val="000000"/>
                     </a:solidFill>
@@ -11529,7 +11529,7 @@
               </a:ln>
               <a:extLst>
                 <a:ext uri="{91240B29-F687-4f45-9708-019B960494DF}">
-                  <a14:hiddenLine xmlns="" xmlns:a14="http://schemas.microsoft.com/office/drawing/2010/main" w="9525">
+                  <a14:hiddenLine xmlns:a14="http://schemas.microsoft.com/office/drawing/2010/main" xmlns="" w="9525">
                     <a:solidFill>
                       <a:srgbClr val="000000"/>
                     </a:solidFill>
@@ -11619,7 +11619,7 @@
               </a:ln>
               <a:extLst>
                 <a:ext uri="{91240B29-F687-4f45-9708-019B960494DF}">
-                  <a14:hiddenLine xmlns="" xmlns:a14="http://schemas.microsoft.com/office/drawing/2010/main" w="9525">
+                  <a14:hiddenLine xmlns:a14="http://schemas.microsoft.com/office/drawing/2010/main" xmlns="" w="9525">
                     <a:solidFill>
                       <a:srgbClr val="000000"/>
                     </a:solidFill>
@@ -11687,7 +11687,7 @@
               </a:ln>
               <a:extLst>
                 <a:ext uri="{91240B29-F687-4f45-9708-019B960494DF}">
-                  <a14:hiddenLine xmlns="" xmlns:a14="http://schemas.microsoft.com/office/drawing/2010/main" w="9525">
+                  <a14:hiddenLine xmlns:a14="http://schemas.microsoft.com/office/drawing/2010/main" xmlns="" w="9525">
                     <a:solidFill>
                       <a:srgbClr val="000000"/>
                     </a:solidFill>
@@ -11777,7 +11777,7 @@
               </a:ln>
               <a:extLst>
                 <a:ext uri="{91240B29-F687-4f45-9708-019B960494DF}">
-                  <a14:hiddenLine xmlns="" xmlns:a14="http://schemas.microsoft.com/office/drawing/2010/main" w="9525">
+                  <a14:hiddenLine xmlns:a14="http://schemas.microsoft.com/office/drawing/2010/main" xmlns="" w="9525">
                     <a:solidFill>
                       <a:srgbClr val="000000"/>
                     </a:solidFill>
@@ -11811,7 +11811,7 @@
               </a:ln>
               <a:extLst>
                 <a:ext uri="{91240B29-F687-4f45-9708-019B960494DF}">
-                  <a14:hiddenLine xmlns="" xmlns:a14="http://schemas.microsoft.com/office/drawing/2010/main" w="9525">
+                  <a14:hiddenLine xmlns:a14="http://schemas.microsoft.com/office/drawing/2010/main" xmlns="" w="9525">
                     <a:solidFill>
                       <a:srgbClr val="000000"/>
                     </a:solidFill>
@@ -11952,7 +11952,7 @@
             <a:fld id="{48A87A34-81AB-432B-8DAE-1953F412C126}" type="datetimeFigureOut">
               <a:rPr lang="en-US" dirty="0"/>
               <a:pPr/>
-              <a:t>12/4/2016</a:t>
+              <a:t>12/6/2016</a:t>
             </a:fld>
             <a:endParaRPr lang="en-US" dirty="0"/>
           </a:p>
@@ -12584,7 +12584,7 @@
         <p:spPr/>
         <p:txBody>
           <a:bodyPr>
-            <a:normAutofit/>
+            <a:normAutofit lnSpcReduction="10000"/>
           </a:bodyPr>
           <a:lstStyle/>
           <a:p>
@@ -12620,7 +12620,7 @@
             </a:pPr>
             <a:r>
               <a:rPr lang="en-CA" dirty="0"/>
-              <a:t>Our project will being using a raspberry pi, webcam and a barcode that will be scanned and saved as a txt file and then put database.</a:t>
+              <a:t>Our project contains three major components raspberry pi, webcam and a barcode. The webcam will be able to scan barcodes using the code running on raspberry pi (python) and then placed in a txt file. </a:t>
             </a:r>
           </a:p>
         </p:txBody>

--- a/Documents/Ceng 317 Powerpoint Presentation.pptx
+++ b/Documents/Ceng 317 Powerpoint Presentation.pptx
@@ -13527,11 +13527,13 @@
         <p:spPr>
           <a:xfrm>
             <a:off x="1141412" y="2249487"/>
-            <a:ext cx="4265475" cy="1699661"/>
+            <a:ext cx="4694582" cy="1938200"/>
           </a:xfrm>
         </p:spPr>
         <p:txBody>
-          <a:bodyPr/>
+          <a:bodyPr>
+            <a:normAutofit fontScale="92500"/>
+          </a:bodyPr>
           <a:lstStyle/>
           <a:p>
             <a:pPr marL="0" indent="0">
@@ -13551,7 +13553,7 @@
           <a:p>
             <a:r>
               <a:rPr lang="en-CA" dirty="0"/>
-              <a:t>Tech 103: Digital Fundamentals </a:t>
+              <a:t>Tech 104: Programming Fundamentals  </a:t>
             </a:r>
           </a:p>
           <a:p>

--- a/Documents/Ceng 317 Powerpoint Presentation.pptx
+++ b/Documents/Ceng 317 Powerpoint Presentation.pptx
@@ -12602,7 +12602,7 @@
             </a:pPr>
             <a:r>
               <a:rPr lang="en-CA" dirty="0"/>
-              <a:t>The purpose of our project is to create a quick and efficient way to take out items from the parts and store them in database</a:t>
+              <a:t>The purpose of our project is to create a quick and efficient way to take out items from the parts crib and store them in database</a:t>
             </a:r>
           </a:p>
           <a:p>
